--- a/Adult Salary Prediction.pptx
+++ b/Adult Salary Prediction.pptx
@@ -7,16 +7,19 @@
   <p:sldIdLst>
     <p:sldId id="256" r:id="rId2"/>
     <p:sldId id="257" r:id="rId3"/>
-    <p:sldId id="258" r:id="rId4"/>
-    <p:sldId id="259" r:id="rId5"/>
-    <p:sldId id="260" r:id="rId6"/>
-    <p:sldId id="261" r:id="rId7"/>
-    <p:sldId id="262" r:id="rId8"/>
-    <p:sldId id="263" r:id="rId9"/>
-    <p:sldId id="264" r:id="rId10"/>
-    <p:sldId id="265" r:id="rId11"/>
-    <p:sldId id="266" r:id="rId12"/>
-    <p:sldId id="267" r:id="rId13"/>
+    <p:sldId id="268" r:id="rId4"/>
+    <p:sldId id="258" r:id="rId5"/>
+    <p:sldId id="259" r:id="rId6"/>
+    <p:sldId id="269" r:id="rId7"/>
+    <p:sldId id="260" r:id="rId8"/>
+    <p:sldId id="261" r:id="rId9"/>
+    <p:sldId id="270" r:id="rId10"/>
+    <p:sldId id="262" r:id="rId11"/>
+    <p:sldId id="263" r:id="rId12"/>
+    <p:sldId id="264" r:id="rId13"/>
+    <p:sldId id="265" r:id="rId14"/>
+    <p:sldId id="266" r:id="rId15"/>
+    <p:sldId id="267" r:id="rId16"/>
   </p:sldIdLst>
   <p:sldSz cx="12192000" cy="6858000"/>
   <p:notesSz cx="6858000" cy="9144000"/>
@@ -115,6 +118,11 @@
       </a:defRPr>
     </a:lvl9pPr>
   </p:defaultTextStyle>
+  <p:extLst>
+    <p:ext uri="{EFAFB233-063F-42B5-8137-9DF3F51BA10A}">
+      <p15:sldGuideLst xmlns:p15="http://schemas.microsoft.com/office/powerpoint/2012/main"/>
+    </p:ext>
+  </p:extLst>
 </p:presentation>
 </file>
 
@@ -3906,9 +3914,8 @@
     <p:bg>
       <p:bgPr>
         <a:solidFill>
-          <a:schemeClr val="bg1">
-            <a:tint val="95000"/>
-            <a:satMod val="170000"/>
+          <a:schemeClr val="accent3">
+            <a:lumMod val="75000"/>
           </a:schemeClr>
         </a:solidFill>
         <a:effectLst/>
@@ -3930,10 +3937,10 @@
       </p:grpSpPr>
       <p:sp>
         <p:nvSpPr>
-          <p:cNvPr id="21" name="Freeform 21">
-            <a:extLst>
-              <a:ext uri="{FF2B5EF4-FFF2-40B4-BE49-F238E27FC236}">
-                <a16:creationId xmlns:a16="http://schemas.microsoft.com/office/drawing/2014/main" id="{FEB0B922-A6AE-4089-8B21-F3E1A77093DD}"/>
+          <p:cNvPr id="7" name="Rectangle 6">
+            <a:extLst>
+              <a:ext uri="{FF2B5EF4-FFF2-40B4-BE49-F238E27FC236}">
+                <a16:creationId xmlns:a16="http://schemas.microsoft.com/office/drawing/2014/main" id="{DA3C47C2-33A2-44B2-BEAB-FEB679075C24}"/>
               </a:ext>
               <a:ext uri="{C183D7F6-B498-43B3-948B-1728B52AA6E4}">
                 <adec:decorative xmlns:adec="http://schemas.microsoft.com/office/drawing/2017/decorative" val="1"/>
@@ -3952,60 +3959,15 @@
           </p:nvPr>
         </p:nvSpPr>
         <p:spPr>
-          <a:xfrm>
-            <a:off x="0" y="0"/>
-            <a:ext cx="10237586" cy="6858000"/>
+          <a:xfrm flipV="1">
+            <a:off x="0" y="-3324"/>
+            <a:ext cx="12192000" cy="6861324"/>
           </a:xfrm>
-          <a:custGeom>
+          <a:prstGeom prst="rect">
             <a:avLst/>
-            <a:gdLst>
-              <a:gd name="connsiteX0" fmla="*/ 0 w 10237586"/>
-              <a:gd name="connsiteY0" fmla="*/ 0 h 6858000"/>
-              <a:gd name="connsiteX1" fmla="*/ 7061432 w 10237586"/>
-              <a:gd name="connsiteY1" fmla="*/ 0 h 6858000"/>
-              <a:gd name="connsiteX2" fmla="*/ 10237586 w 10237586"/>
-              <a:gd name="connsiteY2" fmla="*/ 6858000 h 6858000"/>
-              <a:gd name="connsiteX3" fmla="*/ 0 w 10237586"/>
-              <a:gd name="connsiteY3" fmla="*/ 6858000 h 6858000"/>
-            </a:gdLst>
-            <a:ahLst/>
-            <a:cxnLst>
-              <a:cxn ang="0">
-                <a:pos x="connsiteX0" y="connsiteY0"/>
-              </a:cxn>
-              <a:cxn ang="0">
-                <a:pos x="connsiteX1" y="connsiteY1"/>
-              </a:cxn>
-              <a:cxn ang="0">
-                <a:pos x="connsiteX2" y="connsiteY2"/>
-              </a:cxn>
-              <a:cxn ang="0">
-                <a:pos x="connsiteX3" y="connsiteY3"/>
-              </a:cxn>
-            </a:cxnLst>
-            <a:rect l="l" t="t" r="r" b="b"/>
-            <a:pathLst>
-              <a:path w="10237586" h="6858000">
-                <a:moveTo>
-                  <a:pt x="0" y="0"/>
-                </a:moveTo>
-                <a:lnTo>
-                  <a:pt x="7061432" y="0"/>
-                </a:lnTo>
-                <a:lnTo>
-                  <a:pt x="10237586" y="6858000"/>
-                </a:lnTo>
-                <a:lnTo>
-                  <a:pt x="0" y="6858000"/>
-                </a:lnTo>
-                <a:close/>
-              </a:path>
-            </a:pathLst>
-          </a:custGeom>
+          </a:prstGeom>
           <a:solidFill>
-            <a:srgbClr val="000000">
-              <a:alpha val="43922"/>
-            </a:srgbClr>
+            <a:srgbClr val="7F7F7F"/>
           </a:solidFill>
           <a:ln>
             <a:noFill/>
@@ -4028,22 +3990,49 @@
           </a:fontRef>
         </p:style>
         <p:txBody>
-          <a:bodyPr wrap="square" rtlCol="0" anchor="ctr">
-            <a:noAutofit/>
-          </a:bodyPr>
-          <a:lstStyle/>
-          <a:p>
-            <a:pPr algn="ctr"/>
-            <a:endParaRPr lang="en-US"/>
-          </a:p>
-        </p:txBody>
-      </p:sp>
-      <p:sp>
-        <p:nvSpPr>
-          <p:cNvPr id="23" name="Freeform 20">
-            <a:extLst>
-              <a:ext uri="{FF2B5EF4-FFF2-40B4-BE49-F238E27FC236}">
-                <a16:creationId xmlns:a16="http://schemas.microsoft.com/office/drawing/2014/main" id="{C5EB7378-ADA3-4D6E-8E3A-09FAD1478FB4}"/>
+          <a:bodyPr rtlCol="0" anchor="ctr"/>
+          <a:lstStyle/>
+          <a:p>
+            <a:pPr marL="0" marR="0" lvl="0" indent="0" algn="ctr" defTabSz="914400" rtl="0" eaLnBrk="1" fontAlgn="auto" latinLnBrk="0" hangingPunct="1">
+              <a:lnSpc>
+                <a:spcPct val="100000"/>
+              </a:lnSpc>
+              <a:spcBef>
+                <a:spcPts val="0"/>
+              </a:spcBef>
+              <a:spcAft>
+                <a:spcPts val="0"/>
+              </a:spcAft>
+              <a:buClrTx/>
+              <a:buSzTx/>
+              <a:buFontTx/>
+              <a:buNone/>
+              <a:tabLst/>
+              <a:defRPr/>
+            </a:pPr>
+            <a:endParaRPr kumimoji="0" lang="en-US" sz="1800" b="0" i="0" u="none" strike="noStrike" kern="1200" cap="none" spc="0" normalizeH="0" baseline="0" noProof="0">
+              <a:ln>
+                <a:noFill/>
+              </a:ln>
+              <a:solidFill>
+                <a:prstClr val="white"/>
+              </a:solidFill>
+              <a:effectLst/>
+              <a:uLnTx/>
+              <a:uFillTx/>
+              <a:latin typeface="Calibri" panose="020F0502020204030204"/>
+              <a:ea typeface="+mn-ea"/>
+              <a:cs typeface="+mn-cs"/>
+            </a:endParaRPr>
+          </a:p>
+        </p:txBody>
+      </p:sp>
+      <p:sp>
+        <p:nvSpPr>
+          <p:cNvPr id="9" name="Freeform 3">
+            <a:extLst>
+              <a:ext uri="{FF2B5EF4-FFF2-40B4-BE49-F238E27FC236}">
+                <a16:creationId xmlns:a16="http://schemas.microsoft.com/office/drawing/2014/main" id="{AD182BA8-54AD-4D9F-8264-B0FA8BB47D7C}"/>
               </a:ext>
               <a:ext uri="{C183D7F6-B498-43B3-948B-1728B52AA6E4}">
                 <adec:decorative xmlns:adec="http://schemas.microsoft.com/office/drawing/2017/decorative" val="1"/>
@@ -4062,21 +4051,29 @@
           </p:nvPr>
         </p:nvSpPr>
         <p:spPr>
-          <a:xfrm>
-            <a:off x="0" y="0"/>
-            <a:ext cx="9380336" cy="6858000"/>
+          <a:xfrm flipV="1">
+            <a:off x="1246925" y="-479"/>
+            <a:ext cx="9468701" cy="6858478"/>
           </a:xfrm>
           <a:custGeom>
             <a:avLst/>
             <a:gdLst>
-              <a:gd name="connsiteX0" fmla="*/ 0 w 9380336"/>
-              <a:gd name="connsiteY0" fmla="*/ 0 h 6858000"/>
-              <a:gd name="connsiteX1" fmla="*/ 6204182 w 9380336"/>
-              <a:gd name="connsiteY1" fmla="*/ 0 h 6858000"/>
-              <a:gd name="connsiteX2" fmla="*/ 9380336 w 9380336"/>
-              <a:gd name="connsiteY2" fmla="*/ 6858000 h 6858000"/>
-              <a:gd name="connsiteX3" fmla="*/ 0 w 9380336"/>
-              <a:gd name="connsiteY3" fmla="*/ 6858000 h 6858000"/>
+              <a:gd name="connsiteX0" fmla="*/ 0 w 8078051"/>
+              <a:gd name="connsiteY0" fmla="*/ 0 h 5829300"/>
+              <a:gd name="connsiteX1" fmla="*/ 4453793 w 8078051"/>
+              <a:gd name="connsiteY1" fmla="*/ 0 h 5829300"/>
+              <a:gd name="connsiteX2" fmla="*/ 5363426 w 8078051"/>
+              <a:gd name="connsiteY2" fmla="*/ 0 h 5829300"/>
+              <a:gd name="connsiteX3" fmla="*/ 5368184 w 8078051"/>
+              <a:gd name="connsiteY3" fmla="*/ 0 h 5829300"/>
+              <a:gd name="connsiteX4" fmla="*/ 8078051 w 8078051"/>
+              <a:gd name="connsiteY4" fmla="*/ 5829300 h 5829300"/>
+              <a:gd name="connsiteX5" fmla="*/ 1743926 w 8078051"/>
+              <a:gd name="connsiteY5" fmla="*/ 5829300 h 5829300"/>
+              <a:gd name="connsiteX6" fmla="*/ 1744148 w 8078051"/>
+              <a:gd name="connsiteY6" fmla="*/ 5828822 h 5829300"/>
+              <a:gd name="connsiteX7" fmla="*/ 0 w 8078051"/>
+              <a:gd name="connsiteY7" fmla="*/ 5828822 h 5829300"/>
             </a:gdLst>
             <a:ahLst/>
             <a:cxnLst>
@@ -4092,30 +4089,56 @@
               <a:cxn ang="0">
                 <a:pos x="connsiteX3" y="connsiteY3"/>
               </a:cxn>
+              <a:cxn ang="0">
+                <a:pos x="connsiteX4" y="connsiteY4"/>
+              </a:cxn>
+              <a:cxn ang="0">
+                <a:pos x="connsiteX5" y="connsiteY5"/>
+              </a:cxn>
+              <a:cxn ang="0">
+                <a:pos x="connsiteX6" y="connsiteY6"/>
+              </a:cxn>
+              <a:cxn ang="0">
+                <a:pos x="connsiteX7" y="connsiteY7"/>
+              </a:cxn>
             </a:cxnLst>
             <a:rect l="l" t="t" r="r" b="b"/>
             <a:pathLst>
-              <a:path w="9380336" h="6858000">
+              <a:path w="8078051" h="5829300">
                 <a:moveTo>
                   <a:pt x="0" y="0"/>
                 </a:moveTo>
                 <a:lnTo>
-                  <a:pt x="6204182" y="0"/>
-                </a:lnTo>
-                <a:lnTo>
-                  <a:pt x="9380336" y="6858000"/>
-                </a:lnTo>
-                <a:lnTo>
-                  <a:pt x="0" y="6858000"/>
+                  <a:pt x="4453793" y="0"/>
+                </a:lnTo>
+                <a:lnTo>
+                  <a:pt x="5363426" y="0"/>
+                </a:lnTo>
+                <a:lnTo>
+                  <a:pt x="5368184" y="0"/>
+                </a:lnTo>
+                <a:lnTo>
+                  <a:pt x="8078051" y="5829300"/>
+                </a:lnTo>
+                <a:lnTo>
+                  <a:pt x="1743926" y="5829300"/>
+                </a:lnTo>
+                <a:lnTo>
+                  <a:pt x="1744148" y="5828822"/>
+                </a:lnTo>
+                <a:lnTo>
+                  <a:pt x="0" y="5828822"/>
                 </a:lnTo>
                 <a:close/>
               </a:path>
             </a:pathLst>
           </a:custGeom>
           <a:solidFill>
-            <a:srgbClr val="000000">
-              <a:alpha val="69804"/>
-            </a:srgbClr>
+            <a:schemeClr val="bg1">
+              <a:lumMod val="85000"/>
+              <a:lumOff val="15000"/>
+              <a:alpha val="70000"/>
+            </a:schemeClr>
           </a:solidFill>
           <a:ln>
             <a:noFill/>
@@ -4138,13 +4161,226 @@
           </a:fontRef>
         </p:style>
         <p:txBody>
-          <a:bodyPr wrap="square" rtlCol="0" anchor="ctr">
-            <a:noAutofit/>
-          </a:bodyPr>
-          <a:lstStyle/>
-          <a:p>
-            <a:pPr algn="ctr"/>
-            <a:endParaRPr lang="en-US"/>
+          <a:bodyPr rtlCol="0" anchor="ctr"/>
+          <a:lstStyle/>
+          <a:p>
+            <a:pPr marL="0" marR="0" lvl="0" indent="0" algn="ctr" defTabSz="914400" rtl="0" eaLnBrk="1" fontAlgn="auto" latinLnBrk="0" hangingPunct="1">
+              <a:lnSpc>
+                <a:spcPct val="100000"/>
+              </a:lnSpc>
+              <a:spcBef>
+                <a:spcPts val="0"/>
+              </a:spcBef>
+              <a:spcAft>
+                <a:spcPts val="0"/>
+              </a:spcAft>
+              <a:buClrTx/>
+              <a:buSzTx/>
+              <a:buFontTx/>
+              <a:buNone/>
+              <a:tabLst/>
+              <a:defRPr/>
+            </a:pPr>
+            <a:endParaRPr kumimoji="0" lang="en-US" sz="1800" b="0" i="0" u="none" strike="noStrike" kern="1200" cap="none" spc="0" normalizeH="0" baseline="0" noProof="0">
+              <a:ln>
+                <a:noFill/>
+              </a:ln>
+              <a:solidFill>
+                <a:prstClr val="white"/>
+              </a:solidFill>
+              <a:effectLst/>
+              <a:uLnTx/>
+              <a:uFillTx/>
+              <a:latin typeface="Calibri" panose="020F0502020204030204"/>
+              <a:ea typeface="+mn-ea"/>
+              <a:cs typeface="+mn-cs"/>
+            </a:endParaRPr>
+          </a:p>
+        </p:txBody>
+      </p:sp>
+      <p:sp>
+        <p:nvSpPr>
+          <p:cNvPr id="11" name="Freeform 16">
+            <a:extLst>
+              <a:ext uri="{FF2B5EF4-FFF2-40B4-BE49-F238E27FC236}">
+                <a16:creationId xmlns:a16="http://schemas.microsoft.com/office/drawing/2014/main" id="{4ED83379-0499-45E1-AB78-6AA230F96442}"/>
+              </a:ext>
+              <a:ext uri="{C183D7F6-B498-43B3-948B-1728B52AA6E4}">
+                <adec:decorative xmlns:adec="http://schemas.microsoft.com/office/drawing/2017/decorative" val="1"/>
+              </a:ext>
+            </a:extLst>
+          </p:cNvPr>
+          <p:cNvSpPr>
+            <a:spLocks noGrp="1" noRot="1" noChangeAspect="1" noMove="1" noResize="1" noEditPoints="1" noAdjustHandles="1" noChangeArrowheads="1" noChangeShapeType="1" noTextEdit="1"/>
+          </p:cNvSpPr>
+          <p:nvPr>
+            <p:extLst>
+              <p:ext uri="{386F3935-93C4-4BCD-93E2-E3B085C9AB24}">
+                <p16:designElem xmlns:p16="http://schemas.microsoft.com/office/powerpoint/2015/main" val="1"/>
+              </p:ext>
+            </p:extLst>
+          </p:nvPr>
+        </p:nvSpPr>
+        <p:spPr>
+          <a:xfrm flipV="1">
+            <a:off x="-1" y="-479"/>
+            <a:ext cx="9324977" cy="6858479"/>
+          </a:xfrm>
+          <a:custGeom>
+            <a:avLst/>
+            <a:gdLst>
+              <a:gd name="connsiteX0" fmla="*/ 1246925 w 9324977"/>
+              <a:gd name="connsiteY0" fmla="*/ 0 h 6858479"/>
+              <a:gd name="connsiteX1" fmla="*/ 5076797 w 9324977"/>
+              <a:gd name="connsiteY1" fmla="*/ 0 h 6858479"/>
+              <a:gd name="connsiteX2" fmla="*/ 6143025 w 9324977"/>
+              <a:gd name="connsiteY2" fmla="*/ 0 h 6858479"/>
+              <a:gd name="connsiteX3" fmla="*/ 6148602 w 9324977"/>
+              <a:gd name="connsiteY3" fmla="*/ 0 h 6858479"/>
+              <a:gd name="connsiteX4" fmla="*/ 9324977 w 9324977"/>
+              <a:gd name="connsiteY4" fmla="*/ 6858478 h 6858479"/>
+              <a:gd name="connsiteX5" fmla="*/ 3359025 w 9324977"/>
+              <a:gd name="connsiteY5" fmla="*/ 6858478 h 6858479"/>
+              <a:gd name="connsiteX6" fmla="*/ 3359025 w 9324977"/>
+              <a:gd name="connsiteY6" fmla="*/ 6858479 h 6858479"/>
+              <a:gd name="connsiteX7" fmla="*/ 0 w 9324977"/>
+              <a:gd name="connsiteY7" fmla="*/ 6858479 h 6858479"/>
+              <a:gd name="connsiteX8" fmla="*/ 0 w 9324977"/>
+              <a:gd name="connsiteY8" fmla="*/ 479 h 6858479"/>
+              <a:gd name="connsiteX9" fmla="*/ 1246925 w 9324977"/>
+              <a:gd name="connsiteY9" fmla="*/ 479 h 6858479"/>
+            </a:gdLst>
+            <a:ahLst/>
+            <a:cxnLst>
+              <a:cxn ang="0">
+                <a:pos x="connsiteX0" y="connsiteY0"/>
+              </a:cxn>
+              <a:cxn ang="0">
+                <a:pos x="connsiteX1" y="connsiteY1"/>
+              </a:cxn>
+              <a:cxn ang="0">
+                <a:pos x="connsiteX2" y="connsiteY2"/>
+              </a:cxn>
+              <a:cxn ang="0">
+                <a:pos x="connsiteX3" y="connsiteY3"/>
+              </a:cxn>
+              <a:cxn ang="0">
+                <a:pos x="connsiteX4" y="connsiteY4"/>
+              </a:cxn>
+              <a:cxn ang="0">
+                <a:pos x="connsiteX5" y="connsiteY5"/>
+              </a:cxn>
+              <a:cxn ang="0">
+                <a:pos x="connsiteX6" y="connsiteY6"/>
+              </a:cxn>
+              <a:cxn ang="0">
+                <a:pos x="connsiteX7" y="connsiteY7"/>
+              </a:cxn>
+              <a:cxn ang="0">
+                <a:pos x="connsiteX8" y="connsiteY8"/>
+              </a:cxn>
+              <a:cxn ang="0">
+                <a:pos x="connsiteX9" y="connsiteY9"/>
+              </a:cxn>
+            </a:cxnLst>
+            <a:rect l="l" t="t" r="r" b="b"/>
+            <a:pathLst>
+              <a:path w="9324977" h="6858479">
+                <a:moveTo>
+                  <a:pt x="1246925" y="0"/>
+                </a:moveTo>
+                <a:lnTo>
+                  <a:pt x="5076797" y="0"/>
+                </a:lnTo>
+                <a:lnTo>
+                  <a:pt x="6143025" y="0"/>
+                </a:lnTo>
+                <a:lnTo>
+                  <a:pt x="6148602" y="0"/>
+                </a:lnTo>
+                <a:lnTo>
+                  <a:pt x="9324977" y="6858478"/>
+                </a:lnTo>
+                <a:lnTo>
+                  <a:pt x="3359025" y="6858478"/>
+                </a:lnTo>
+                <a:lnTo>
+                  <a:pt x="3359025" y="6858479"/>
+                </a:lnTo>
+                <a:lnTo>
+                  <a:pt x="0" y="6858479"/>
+                </a:lnTo>
+                <a:lnTo>
+                  <a:pt x="0" y="479"/>
+                </a:lnTo>
+                <a:lnTo>
+                  <a:pt x="1246925" y="479"/>
+                </a:lnTo>
+                <a:close/>
+              </a:path>
+            </a:pathLst>
+          </a:custGeom>
+          <a:solidFill>
+            <a:schemeClr val="bg1">
+              <a:lumMod val="85000"/>
+              <a:lumOff val="15000"/>
+            </a:schemeClr>
+          </a:solidFill>
+          <a:ln>
+            <a:noFill/>
+          </a:ln>
+        </p:spPr>
+        <p:style>
+          <a:lnRef idx="2">
+            <a:schemeClr val="accent1">
+              <a:shade val="50000"/>
+            </a:schemeClr>
+          </a:lnRef>
+          <a:fillRef idx="1">
+            <a:schemeClr val="accent1"/>
+          </a:fillRef>
+          <a:effectRef idx="0">
+            <a:schemeClr val="accent1"/>
+          </a:effectRef>
+          <a:fontRef idx="minor">
+            <a:schemeClr val="lt1"/>
+          </a:fontRef>
+        </p:style>
+        <p:txBody>
+          <a:bodyPr rtlCol="0" anchor="ctr"/>
+          <a:lstStyle/>
+          <a:p>
+            <a:pPr marL="0" marR="0" lvl="0" indent="0" algn="ctr" defTabSz="914400" rtl="0" eaLnBrk="1" fontAlgn="auto" latinLnBrk="0" hangingPunct="1">
+              <a:lnSpc>
+                <a:spcPct val="100000"/>
+              </a:lnSpc>
+              <a:spcBef>
+                <a:spcPts val="0"/>
+              </a:spcBef>
+              <a:spcAft>
+                <a:spcPts val="0"/>
+              </a:spcAft>
+              <a:buClrTx/>
+              <a:buSzTx/>
+              <a:buFontTx/>
+              <a:buNone/>
+              <a:tabLst/>
+              <a:defRPr/>
+            </a:pPr>
+            <a:endParaRPr kumimoji="0" lang="en-US" sz="1800" b="0" i="0" u="none" strike="noStrike" kern="1200" cap="none" spc="0" normalizeH="0" baseline="0" noProof="0">
+              <a:ln>
+                <a:noFill/>
+              </a:ln>
+              <a:solidFill>
+                <a:prstClr val="white"/>
+              </a:solidFill>
+              <a:effectLst/>
+              <a:uLnTx/>
+              <a:uFillTx/>
+              <a:latin typeface="Calibri" panose="020F0502020204030204"/>
+              <a:ea typeface="+mn-ea"/>
+              <a:cs typeface="+mn-cs"/>
+            </a:endParaRPr>
           </a:p>
         </p:txBody>
       </p:sp>
@@ -4153,7 +4389,7 @@
           <p:cNvPr id="2" name="Title 1">
             <a:extLst>
               <a:ext uri="{FF2B5EF4-FFF2-40B4-BE49-F238E27FC236}">
-                <a16:creationId xmlns:a16="http://schemas.microsoft.com/office/drawing/2014/main" id="{8CD6BBA6-19F3-4496-9F22-21371693B916}"/>
+                <a16:creationId xmlns:a16="http://schemas.microsoft.com/office/drawing/2014/main" id="{C34F0E58-219F-4D60-89B2-4696C876FFCE}"/>
               </a:ext>
             </a:extLst>
           </p:cNvPr>
@@ -4166,140 +4402,34 @@
         </p:nvSpPr>
         <p:spPr>
           <a:xfrm>
-            <a:off x="838200" y="365125"/>
-            <a:ext cx="10515600" cy="1325563"/>
+            <a:off x="804672" y="962246"/>
+            <a:ext cx="6437700" cy="2611967"/>
           </a:xfrm>
         </p:spPr>
         <p:txBody>
-          <a:bodyPr vert="horz" lIns="91440" tIns="45720" rIns="91440" bIns="45720" rtlCol="0" anchor="ctr">
+          <a:bodyPr vert="horz" lIns="91440" tIns="45720" rIns="91440" bIns="45720" rtlCol="0" anchor="b">
             <a:normAutofit/>
           </a:bodyPr>
           <a:lstStyle/>
           <a:p>
             <a:r>
-              <a:rPr lang="en-US">
+              <a:rPr lang="en-US" sz="5400" kern="1200" dirty="0">
                 <a:solidFill>
-                  <a:srgbClr val="FFFFFF"/>
+                  <a:schemeClr val="tx1"/>
                 </a:solidFill>
+                <a:latin typeface="+mj-lt"/>
+                <a:ea typeface="+mj-ea"/>
+                <a:cs typeface="+mj-cs"/>
               </a:rPr>
-              <a:t>Cross Validation with 10 K folds</a:t>
-            </a:r>
-          </a:p>
-        </p:txBody>
-      </p:sp>
-      <p:sp>
-        <p:nvSpPr>
-          <p:cNvPr id="12" name="Content Placeholder 11">
-            <a:extLst>
-              <a:ext uri="{FF2B5EF4-FFF2-40B4-BE49-F238E27FC236}">
-                <a16:creationId xmlns:a16="http://schemas.microsoft.com/office/drawing/2014/main" id="{F33274A6-D290-412F-A1CC-41834875613B}"/>
-              </a:ext>
-            </a:extLst>
-          </p:cNvPr>
-          <p:cNvSpPr>
-            <a:spLocks noGrp="1"/>
-          </p:cNvSpPr>
-          <p:nvPr>
-            <p:ph sz="half" idx="2"/>
-          </p:nvPr>
-        </p:nvSpPr>
-        <p:spPr>
-          <a:xfrm>
-            <a:off x="838200" y="2021249"/>
-            <a:ext cx="5707565" cy="4155713"/>
-          </a:xfrm>
-        </p:spPr>
-        <p:txBody>
-          <a:bodyPr vert="horz" lIns="91440" tIns="45720" rIns="91440" bIns="45720" rtlCol="0">
-            <a:normAutofit/>
-          </a:bodyPr>
-          <a:lstStyle/>
-          <a:p>
-            <a:r>
-              <a:rPr lang="en-US" sz="2000">
-                <a:solidFill>
-                  <a:srgbClr val="FFFFFF"/>
-                </a:solidFill>
-              </a:rPr>
-              <a:t>Best Model is Random Forest </a:t>
-            </a:r>
-          </a:p>
-          <a:p>
-            <a:r>
-              <a:rPr lang="en-US" sz="2000">
-                <a:solidFill>
-                  <a:srgbClr val="FFFFFF"/>
-                </a:solidFill>
-              </a:rPr>
-              <a:t>with best R Squared Score 0.85</a:t>
-            </a:r>
-          </a:p>
-        </p:txBody>
-      </p:sp>
-      <p:pic>
-        <p:nvPicPr>
-          <p:cNvPr id="8" name="Picture 7">
-            <a:extLst>
-              <a:ext uri="{FF2B5EF4-FFF2-40B4-BE49-F238E27FC236}">
-                <a16:creationId xmlns:a16="http://schemas.microsoft.com/office/drawing/2014/main" id="{5B5610FE-0504-4114-9E6F-8DAB7A8C86E5}"/>
-              </a:ext>
-            </a:extLst>
-          </p:cNvPr>
-          <p:cNvPicPr>
-            <a:picLocks noChangeAspect="1"/>
-          </p:cNvPicPr>
-          <p:nvPr/>
-        </p:nvPicPr>
-        <p:blipFill>
-          <a:blip r:embed="rId2"/>
-          <a:stretch>
-            <a:fillRect/>
-          </a:stretch>
-        </p:blipFill>
-        <p:spPr>
-          <a:xfrm>
-            <a:off x="7192537" y="3525449"/>
-            <a:ext cx="4361217" cy="2967426"/>
-          </a:xfrm>
-          <a:prstGeom prst="rect">
-            <a:avLst/>
-          </a:prstGeom>
-        </p:spPr>
-      </p:pic>
-      <p:pic>
-        <p:nvPicPr>
-          <p:cNvPr id="16" name="Picture 15">
-            <a:extLst>
-              <a:ext uri="{FF2B5EF4-FFF2-40B4-BE49-F238E27FC236}">
-                <a16:creationId xmlns:a16="http://schemas.microsoft.com/office/drawing/2014/main" id="{05C4A470-5511-4CF1-9C6D-ABCF3B2EFE2E}"/>
-              </a:ext>
-            </a:extLst>
-          </p:cNvPr>
-          <p:cNvPicPr>
-            <a:picLocks noChangeAspect="1"/>
-          </p:cNvPicPr>
-          <p:nvPr/>
-        </p:nvPicPr>
-        <p:blipFill>
-          <a:blip r:embed="rId3"/>
-          <a:stretch>
-            <a:fillRect/>
-          </a:stretch>
-        </p:blipFill>
-        <p:spPr>
-          <a:xfrm>
-            <a:off x="7192537" y="1666112"/>
-            <a:ext cx="4313663" cy="1859337"/>
-          </a:xfrm>
-          <a:prstGeom prst="rect">
-            <a:avLst/>
-          </a:prstGeom>
-        </p:spPr>
-      </p:pic>
+              <a:t>Models</a:t>
+            </a:r>
+          </a:p>
+        </p:txBody>
+      </p:sp>
     </p:spTree>
     <p:extLst>
       <p:ext uri="{BB962C8B-B14F-4D97-AF65-F5344CB8AC3E}">
-        <p14:creationId xmlns:p14="http://schemas.microsoft.com/office/powerpoint/2010/main" val="946928279"/>
+        <p14:creationId xmlns:p14="http://schemas.microsoft.com/office/powerpoint/2010/main" val="2665581420"/>
       </p:ext>
     </p:extLst>
   </p:cSld>
@@ -4339,6 +4469,1318 @@
       </p:grpSpPr>
       <p:sp>
         <p:nvSpPr>
+          <p:cNvPr id="17" name="Rectangle 16">
+            <a:extLst>
+              <a:ext uri="{FF2B5EF4-FFF2-40B4-BE49-F238E27FC236}">
+                <a16:creationId xmlns:a16="http://schemas.microsoft.com/office/drawing/2014/main" id="{EE1FC7B4-E4A7-4452-B413-1A623E3A7230}"/>
+              </a:ext>
+              <a:ext uri="{C183D7F6-B498-43B3-948B-1728B52AA6E4}">
+                <adec:decorative xmlns:adec="http://schemas.microsoft.com/office/drawing/2017/decorative" val="1"/>
+              </a:ext>
+            </a:extLst>
+          </p:cNvPr>
+          <p:cNvSpPr>
+            <a:spLocks noGrp="1" noRot="1" noChangeAspect="1" noMove="1" noResize="1" noEditPoints="1" noAdjustHandles="1" noChangeArrowheads="1" noChangeShapeType="1" noTextEdit="1"/>
+          </p:cNvSpPr>
+          <p:nvPr>
+            <p:extLst>
+              <p:ext uri="{386F3935-93C4-4BCD-93E2-E3B085C9AB24}">
+                <p16:designElem xmlns:p16="http://schemas.microsoft.com/office/powerpoint/2015/main" val="1"/>
+              </p:ext>
+            </p:extLst>
+          </p:nvPr>
+        </p:nvSpPr>
+        <p:spPr>
+          <a:xfrm>
+            <a:off x="0" y="-3324"/>
+            <a:ext cx="12192000" cy="6861324"/>
+          </a:xfrm>
+          <a:prstGeom prst="rect">
+            <a:avLst/>
+          </a:prstGeom>
+          <a:solidFill>
+            <a:schemeClr val="bg1">
+              <a:alpha val="9000"/>
+            </a:schemeClr>
+          </a:solidFill>
+          <a:ln>
+            <a:noFill/>
+          </a:ln>
+        </p:spPr>
+        <p:style>
+          <a:lnRef idx="2">
+            <a:schemeClr val="accent1">
+              <a:shade val="50000"/>
+            </a:schemeClr>
+          </a:lnRef>
+          <a:fillRef idx="1">
+            <a:schemeClr val="accent1"/>
+          </a:fillRef>
+          <a:effectRef idx="0">
+            <a:schemeClr val="accent1"/>
+          </a:effectRef>
+          <a:fontRef idx="minor">
+            <a:schemeClr val="lt1"/>
+          </a:fontRef>
+        </p:style>
+        <p:txBody>
+          <a:bodyPr rtlCol="0" anchor="ctr"/>
+          <a:lstStyle/>
+          <a:p>
+            <a:pPr algn="ctr"/>
+            <a:endParaRPr lang="en-US"/>
+          </a:p>
+        </p:txBody>
+      </p:sp>
+      <p:sp>
+        <p:nvSpPr>
+          <p:cNvPr id="19" name="Freeform 13">
+            <a:extLst>
+              <a:ext uri="{FF2B5EF4-FFF2-40B4-BE49-F238E27FC236}">
+                <a16:creationId xmlns:a16="http://schemas.microsoft.com/office/drawing/2014/main" id="{E0709AF0-24F0-4486-B189-BE6386BDB198}"/>
+              </a:ext>
+              <a:ext uri="{C183D7F6-B498-43B3-948B-1728B52AA6E4}">
+                <adec:decorative xmlns:adec="http://schemas.microsoft.com/office/drawing/2017/decorative" val="1"/>
+              </a:ext>
+            </a:extLst>
+          </p:cNvPr>
+          <p:cNvSpPr>
+            <a:spLocks noGrp="1" noRot="1" noChangeAspect="1" noMove="1" noResize="1" noEditPoints="1" noAdjustHandles="1" noChangeArrowheads="1" noChangeShapeType="1" noTextEdit="1"/>
+          </p:cNvSpPr>
+          <p:nvPr>
+            <p:extLst>
+              <p:ext uri="{386F3935-93C4-4BCD-93E2-E3B085C9AB24}">
+                <p16:designElem xmlns:p16="http://schemas.microsoft.com/office/powerpoint/2015/main" val="1"/>
+              </p:ext>
+            </p:extLst>
+          </p:nvPr>
+        </p:nvSpPr>
+        <p:spPr>
+          <a:xfrm>
+            <a:off x="0" y="0"/>
+            <a:ext cx="11786754" cy="6858000"/>
+          </a:xfrm>
+          <a:custGeom>
+            <a:avLst/>
+            <a:gdLst>
+              <a:gd name="connsiteX0" fmla="*/ 0 w 11786754"/>
+              <a:gd name="connsiteY0" fmla="*/ 0 h 6858000"/>
+              <a:gd name="connsiteX1" fmla="*/ 8610600 w 11786754"/>
+              <a:gd name="connsiteY1" fmla="*/ 0 h 6858000"/>
+              <a:gd name="connsiteX2" fmla="*/ 11786754 w 11786754"/>
+              <a:gd name="connsiteY2" fmla="*/ 6858000 h 6858000"/>
+              <a:gd name="connsiteX3" fmla="*/ 0 w 11786754"/>
+              <a:gd name="connsiteY3" fmla="*/ 6858000 h 6858000"/>
+            </a:gdLst>
+            <a:ahLst/>
+            <a:cxnLst>
+              <a:cxn ang="0">
+                <a:pos x="connsiteX0" y="connsiteY0"/>
+              </a:cxn>
+              <a:cxn ang="0">
+                <a:pos x="connsiteX1" y="connsiteY1"/>
+              </a:cxn>
+              <a:cxn ang="0">
+                <a:pos x="connsiteX2" y="connsiteY2"/>
+              </a:cxn>
+              <a:cxn ang="0">
+                <a:pos x="connsiteX3" y="connsiteY3"/>
+              </a:cxn>
+            </a:cxnLst>
+            <a:rect l="l" t="t" r="r" b="b"/>
+            <a:pathLst>
+              <a:path w="11786754" h="6858000">
+                <a:moveTo>
+                  <a:pt x="0" y="0"/>
+                </a:moveTo>
+                <a:lnTo>
+                  <a:pt x="8610600" y="0"/>
+                </a:lnTo>
+                <a:lnTo>
+                  <a:pt x="11786754" y="6858000"/>
+                </a:lnTo>
+                <a:lnTo>
+                  <a:pt x="0" y="6858000"/>
+                </a:lnTo>
+                <a:close/>
+              </a:path>
+            </a:pathLst>
+          </a:custGeom>
+          <a:solidFill>
+            <a:schemeClr val="bg1">
+              <a:alpha val="30000"/>
+            </a:schemeClr>
+          </a:solidFill>
+          <a:ln>
+            <a:noFill/>
+          </a:ln>
+        </p:spPr>
+        <p:style>
+          <a:lnRef idx="2">
+            <a:schemeClr val="accent1">
+              <a:shade val="50000"/>
+            </a:schemeClr>
+          </a:lnRef>
+          <a:fillRef idx="1">
+            <a:schemeClr val="accent1"/>
+          </a:fillRef>
+          <a:effectRef idx="0">
+            <a:schemeClr val="accent1"/>
+          </a:effectRef>
+          <a:fontRef idx="minor">
+            <a:schemeClr val="lt1"/>
+          </a:fontRef>
+        </p:style>
+        <p:txBody>
+          <a:bodyPr rtlCol="0" anchor="ctr"/>
+          <a:lstStyle/>
+          <a:p>
+            <a:pPr algn="ctr"/>
+            <a:endParaRPr lang="en-US"/>
+          </a:p>
+        </p:txBody>
+      </p:sp>
+      <p:sp>
+        <p:nvSpPr>
+          <p:cNvPr id="21" name="Freeform 11">
+            <a:extLst>
+              <a:ext uri="{FF2B5EF4-FFF2-40B4-BE49-F238E27FC236}">
+                <a16:creationId xmlns:a16="http://schemas.microsoft.com/office/drawing/2014/main" id="{FBE3B62F-5853-4A3C-B050-6186351A7176}"/>
+              </a:ext>
+              <a:ext uri="{C183D7F6-B498-43B3-948B-1728B52AA6E4}">
+                <adec:decorative xmlns:adec="http://schemas.microsoft.com/office/drawing/2017/decorative" val="1"/>
+              </a:ext>
+            </a:extLst>
+          </p:cNvPr>
+          <p:cNvSpPr>
+            <a:spLocks noGrp="1" noRot="1" noChangeAspect="1" noMove="1" noResize="1" noEditPoints="1" noAdjustHandles="1" noChangeArrowheads="1" noChangeShapeType="1" noTextEdit="1"/>
+          </p:cNvSpPr>
+          <p:nvPr>
+            <p:extLst>
+              <p:ext uri="{386F3935-93C4-4BCD-93E2-E3B085C9AB24}">
+                <p16:designElem xmlns:p16="http://schemas.microsoft.com/office/powerpoint/2015/main" val="1"/>
+              </p:ext>
+            </p:extLst>
+          </p:nvPr>
+        </p:nvSpPr>
+        <p:spPr>
+          <a:xfrm>
+            <a:off x="0" y="0"/>
+            <a:ext cx="3581400" cy="6858000"/>
+          </a:xfrm>
+          <a:custGeom>
+            <a:avLst/>
+            <a:gdLst>
+              <a:gd name="connsiteX0" fmla="*/ 0 w 3581400"/>
+              <a:gd name="connsiteY0" fmla="*/ 0 h 6858000"/>
+              <a:gd name="connsiteX1" fmla="*/ 405246 w 3581400"/>
+              <a:gd name="connsiteY1" fmla="*/ 0 h 6858000"/>
+              <a:gd name="connsiteX2" fmla="*/ 3581400 w 3581400"/>
+              <a:gd name="connsiteY2" fmla="*/ 6858000 h 6858000"/>
+              <a:gd name="connsiteX3" fmla="*/ 0 w 3581400"/>
+              <a:gd name="connsiteY3" fmla="*/ 6858000 h 6858000"/>
+            </a:gdLst>
+            <a:ahLst/>
+            <a:cxnLst>
+              <a:cxn ang="0">
+                <a:pos x="connsiteX0" y="connsiteY0"/>
+              </a:cxn>
+              <a:cxn ang="0">
+                <a:pos x="connsiteX1" y="connsiteY1"/>
+              </a:cxn>
+              <a:cxn ang="0">
+                <a:pos x="connsiteX2" y="connsiteY2"/>
+              </a:cxn>
+              <a:cxn ang="0">
+                <a:pos x="connsiteX3" y="connsiteY3"/>
+              </a:cxn>
+            </a:cxnLst>
+            <a:rect l="l" t="t" r="r" b="b"/>
+            <a:pathLst>
+              <a:path w="3581400" h="6858000">
+                <a:moveTo>
+                  <a:pt x="0" y="0"/>
+                </a:moveTo>
+                <a:lnTo>
+                  <a:pt x="405246" y="0"/>
+                </a:lnTo>
+                <a:lnTo>
+                  <a:pt x="3581400" y="6858000"/>
+                </a:lnTo>
+                <a:lnTo>
+                  <a:pt x="0" y="6858000"/>
+                </a:lnTo>
+                <a:close/>
+              </a:path>
+            </a:pathLst>
+          </a:custGeom>
+          <a:solidFill>
+            <a:schemeClr val="bg1">
+              <a:alpha val="30000"/>
+            </a:schemeClr>
+          </a:solidFill>
+          <a:ln>
+            <a:noFill/>
+          </a:ln>
+        </p:spPr>
+        <p:style>
+          <a:lnRef idx="2">
+            <a:schemeClr val="accent1">
+              <a:shade val="50000"/>
+            </a:schemeClr>
+          </a:lnRef>
+          <a:fillRef idx="1">
+            <a:schemeClr val="accent1"/>
+          </a:fillRef>
+          <a:effectRef idx="0">
+            <a:schemeClr val="accent1"/>
+          </a:effectRef>
+          <a:fontRef idx="minor">
+            <a:schemeClr val="lt1"/>
+          </a:fontRef>
+        </p:style>
+        <p:txBody>
+          <a:bodyPr wrap="square" rtlCol="0" anchor="ctr">
+            <a:noAutofit/>
+          </a:bodyPr>
+          <a:lstStyle/>
+          <a:p>
+            <a:pPr algn="ctr"/>
+            <a:endParaRPr lang="en-US"/>
+          </a:p>
+        </p:txBody>
+      </p:sp>
+      <p:sp>
+        <p:nvSpPr>
+          <p:cNvPr id="8" name="Title 7">
+            <a:extLst>
+              <a:ext uri="{FF2B5EF4-FFF2-40B4-BE49-F238E27FC236}">
+                <a16:creationId xmlns:a16="http://schemas.microsoft.com/office/drawing/2014/main" id="{F25BE67D-37E3-49F3-8251-4AD1F41F7613}"/>
+              </a:ext>
+            </a:extLst>
+          </p:cNvPr>
+          <p:cNvSpPr>
+            <a:spLocks noGrp="1"/>
+          </p:cNvSpPr>
+          <p:nvPr>
+            <p:ph type="title"/>
+          </p:nvPr>
+        </p:nvSpPr>
+        <p:spPr>
+          <a:xfrm>
+            <a:off x="833002" y="448253"/>
+            <a:ext cx="10520702" cy="1325563"/>
+          </a:xfrm>
+        </p:spPr>
+        <p:txBody>
+          <a:bodyPr vert="horz" lIns="91440" tIns="45720" rIns="91440" bIns="45720" rtlCol="0" anchor="ctr">
+            <a:normAutofit/>
+          </a:bodyPr>
+          <a:lstStyle/>
+          <a:p>
+            <a:r>
+              <a:rPr lang="en-US" sz="4400" kern="1200" dirty="0">
+                <a:solidFill>
+                  <a:schemeClr val="tx1"/>
+                </a:solidFill>
+                <a:latin typeface="+mj-lt"/>
+                <a:ea typeface="+mj-ea"/>
+                <a:cs typeface="+mj-cs"/>
+              </a:rPr>
+              <a:t>Logistic Regression</a:t>
+            </a:r>
+            <a:br>
+              <a:rPr lang="en-US" sz="4400" kern="1200" dirty="0">
+                <a:solidFill>
+                  <a:schemeClr val="tx1"/>
+                </a:solidFill>
+                <a:latin typeface="+mj-lt"/>
+                <a:ea typeface="+mj-ea"/>
+                <a:cs typeface="+mj-cs"/>
+              </a:rPr>
+            </a:br>
+            <a:r>
+              <a:rPr lang="en-US" sz="4400" kern="1200" dirty="0">
+                <a:solidFill>
+                  <a:schemeClr val="tx1"/>
+                </a:solidFill>
+                <a:latin typeface="+mj-lt"/>
+                <a:ea typeface="+mj-ea"/>
+                <a:cs typeface="+mj-cs"/>
+              </a:rPr>
+              <a:t>Decision Tree</a:t>
+            </a:r>
+          </a:p>
+        </p:txBody>
+      </p:sp>
+      <p:pic>
+        <p:nvPicPr>
+          <p:cNvPr id="16" name="Content Placeholder 15">
+            <a:extLst>
+              <a:ext uri="{FF2B5EF4-FFF2-40B4-BE49-F238E27FC236}">
+                <a16:creationId xmlns:a16="http://schemas.microsoft.com/office/drawing/2014/main" id="{1E5188CF-74F1-489E-AA40-36F6304570BD}"/>
+              </a:ext>
+            </a:extLst>
+          </p:cNvPr>
+          <p:cNvPicPr>
+            <a:picLocks noGrp="1" noChangeAspect="1"/>
+          </p:cNvPicPr>
+          <p:nvPr>
+            <p:ph sz="half" idx="2"/>
+          </p:nvPr>
+        </p:nvPicPr>
+        <p:blipFill>
+          <a:blip r:embed="rId2"/>
+          <a:stretch>
+            <a:fillRect/>
+          </a:stretch>
+        </p:blipFill>
+        <p:spPr>
+          <a:xfrm>
+            <a:off x="6232918" y="1773816"/>
+            <a:ext cx="4431972" cy="5082366"/>
+          </a:xfrm>
+        </p:spPr>
+      </p:pic>
+      <p:pic>
+        <p:nvPicPr>
+          <p:cNvPr id="18" name="Content Placeholder 6">
+            <a:extLst>
+              <a:ext uri="{FF2B5EF4-FFF2-40B4-BE49-F238E27FC236}">
+                <a16:creationId xmlns:a16="http://schemas.microsoft.com/office/drawing/2014/main" id="{87E1EB10-D33C-43AD-99C9-7397D5B95285}"/>
+              </a:ext>
+            </a:extLst>
+          </p:cNvPr>
+          <p:cNvPicPr>
+            <a:picLocks noGrp="1" noChangeAspect="1"/>
+          </p:cNvPicPr>
+          <p:nvPr>
+            <p:ph sz="half" idx="1"/>
+          </p:nvPr>
+        </p:nvPicPr>
+        <p:blipFill>
+          <a:blip r:embed="rId3"/>
+          <a:stretch>
+            <a:fillRect/>
+          </a:stretch>
+        </p:blipFill>
+        <p:spPr>
+          <a:xfrm>
+            <a:off x="833292" y="1773816"/>
+            <a:ext cx="5399626" cy="5084184"/>
+          </a:xfrm>
+          <a:prstGeom prst="rect">
+            <a:avLst/>
+          </a:prstGeom>
+        </p:spPr>
+      </p:pic>
+    </p:spTree>
+    <p:extLst>
+      <p:ext uri="{BB962C8B-B14F-4D97-AF65-F5344CB8AC3E}">
+        <p14:creationId xmlns:p14="http://schemas.microsoft.com/office/powerpoint/2010/main" val="2532279573"/>
+      </p:ext>
+    </p:extLst>
+  </p:cSld>
+  <p:clrMapOvr>
+    <a:overrideClrMapping bg1="dk1" tx1="lt1" bg2="dk2" tx2="lt2" accent1="accent1" accent2="accent2" accent3="accent3" accent4="accent4" accent5="accent5" accent6="accent6" hlink="hlink" folHlink="folHlink"/>
+  </p:clrMapOvr>
+</p:sld>
+</file>
+
+<file path=ppt/slides/slide12.xml><?xml version="1.0" encoding="utf-8"?>
+<p:sld xmlns:a="http://schemas.openxmlformats.org/drawingml/2006/main" xmlns:r="http://schemas.openxmlformats.org/officeDocument/2006/relationships" xmlns:p="http://schemas.openxmlformats.org/presentationml/2006/main">
+  <p:cSld>
+    <p:bg>
+      <p:bgPr>
+        <a:solidFill>
+          <a:schemeClr val="bg1">
+            <a:tint val="95000"/>
+            <a:satMod val="170000"/>
+          </a:schemeClr>
+        </a:solidFill>
+        <a:effectLst/>
+      </p:bgPr>
+    </p:bg>
+    <p:spTree>
+      <p:nvGrpSpPr>
+        <p:cNvPr id="1" name=""/>
+        <p:cNvGrpSpPr/>
+        <p:nvPr/>
+      </p:nvGrpSpPr>
+      <p:grpSpPr>
+        <a:xfrm>
+          <a:off x="0" y="0"/>
+          <a:ext cx="0" cy="0"/>
+          <a:chOff x="0" y="0"/>
+          <a:chExt cx="0" cy="0"/>
+        </a:xfrm>
+      </p:grpSpPr>
+      <p:sp>
+        <p:nvSpPr>
+          <p:cNvPr id="22" name="Rectangle 21">
+            <a:extLst>
+              <a:ext uri="{FF2B5EF4-FFF2-40B4-BE49-F238E27FC236}">
+                <a16:creationId xmlns:a16="http://schemas.microsoft.com/office/drawing/2014/main" id="{EE1FC7B4-E4A7-4452-B413-1A623E3A7230}"/>
+              </a:ext>
+              <a:ext uri="{C183D7F6-B498-43B3-948B-1728B52AA6E4}">
+                <adec:decorative xmlns:adec="http://schemas.microsoft.com/office/drawing/2017/decorative" val="1"/>
+              </a:ext>
+            </a:extLst>
+          </p:cNvPr>
+          <p:cNvSpPr>
+            <a:spLocks noGrp="1" noRot="1" noChangeAspect="1" noMove="1" noResize="1" noEditPoints="1" noAdjustHandles="1" noChangeArrowheads="1" noChangeShapeType="1" noTextEdit="1"/>
+          </p:cNvSpPr>
+          <p:nvPr>
+            <p:extLst>
+              <p:ext uri="{386F3935-93C4-4BCD-93E2-E3B085C9AB24}">
+                <p16:designElem xmlns:p16="http://schemas.microsoft.com/office/powerpoint/2015/main" val="1"/>
+              </p:ext>
+            </p:extLst>
+          </p:nvPr>
+        </p:nvSpPr>
+        <p:spPr>
+          <a:xfrm>
+            <a:off x="0" y="-3324"/>
+            <a:ext cx="12192000" cy="6861324"/>
+          </a:xfrm>
+          <a:prstGeom prst="rect">
+            <a:avLst/>
+          </a:prstGeom>
+          <a:solidFill>
+            <a:schemeClr val="bg1">
+              <a:alpha val="9000"/>
+            </a:schemeClr>
+          </a:solidFill>
+          <a:ln>
+            <a:noFill/>
+          </a:ln>
+        </p:spPr>
+        <p:style>
+          <a:lnRef idx="2">
+            <a:schemeClr val="accent1">
+              <a:shade val="50000"/>
+            </a:schemeClr>
+          </a:lnRef>
+          <a:fillRef idx="1">
+            <a:schemeClr val="accent1"/>
+          </a:fillRef>
+          <a:effectRef idx="0">
+            <a:schemeClr val="accent1"/>
+          </a:effectRef>
+          <a:fontRef idx="minor">
+            <a:schemeClr val="lt1"/>
+          </a:fontRef>
+        </p:style>
+        <p:txBody>
+          <a:bodyPr rtlCol="0" anchor="ctr"/>
+          <a:lstStyle/>
+          <a:p>
+            <a:pPr algn="ctr"/>
+            <a:endParaRPr lang="en-US"/>
+          </a:p>
+        </p:txBody>
+      </p:sp>
+      <p:sp>
+        <p:nvSpPr>
+          <p:cNvPr id="24" name="Freeform 13">
+            <a:extLst>
+              <a:ext uri="{FF2B5EF4-FFF2-40B4-BE49-F238E27FC236}">
+                <a16:creationId xmlns:a16="http://schemas.microsoft.com/office/drawing/2014/main" id="{E0709AF0-24F0-4486-B189-BE6386BDB198}"/>
+              </a:ext>
+              <a:ext uri="{C183D7F6-B498-43B3-948B-1728B52AA6E4}">
+                <adec:decorative xmlns:adec="http://schemas.microsoft.com/office/drawing/2017/decorative" val="1"/>
+              </a:ext>
+            </a:extLst>
+          </p:cNvPr>
+          <p:cNvSpPr>
+            <a:spLocks noGrp="1" noRot="1" noChangeAspect="1" noMove="1" noResize="1" noEditPoints="1" noAdjustHandles="1" noChangeArrowheads="1" noChangeShapeType="1" noTextEdit="1"/>
+          </p:cNvSpPr>
+          <p:nvPr>
+            <p:extLst>
+              <p:ext uri="{386F3935-93C4-4BCD-93E2-E3B085C9AB24}">
+                <p16:designElem xmlns:p16="http://schemas.microsoft.com/office/powerpoint/2015/main" val="1"/>
+              </p:ext>
+            </p:extLst>
+          </p:nvPr>
+        </p:nvSpPr>
+        <p:spPr>
+          <a:xfrm>
+            <a:off x="0" y="0"/>
+            <a:ext cx="11786754" cy="6858000"/>
+          </a:xfrm>
+          <a:custGeom>
+            <a:avLst/>
+            <a:gdLst>
+              <a:gd name="connsiteX0" fmla="*/ 0 w 11786754"/>
+              <a:gd name="connsiteY0" fmla="*/ 0 h 6858000"/>
+              <a:gd name="connsiteX1" fmla="*/ 8610600 w 11786754"/>
+              <a:gd name="connsiteY1" fmla="*/ 0 h 6858000"/>
+              <a:gd name="connsiteX2" fmla="*/ 11786754 w 11786754"/>
+              <a:gd name="connsiteY2" fmla="*/ 6858000 h 6858000"/>
+              <a:gd name="connsiteX3" fmla="*/ 0 w 11786754"/>
+              <a:gd name="connsiteY3" fmla="*/ 6858000 h 6858000"/>
+            </a:gdLst>
+            <a:ahLst/>
+            <a:cxnLst>
+              <a:cxn ang="0">
+                <a:pos x="connsiteX0" y="connsiteY0"/>
+              </a:cxn>
+              <a:cxn ang="0">
+                <a:pos x="connsiteX1" y="connsiteY1"/>
+              </a:cxn>
+              <a:cxn ang="0">
+                <a:pos x="connsiteX2" y="connsiteY2"/>
+              </a:cxn>
+              <a:cxn ang="0">
+                <a:pos x="connsiteX3" y="connsiteY3"/>
+              </a:cxn>
+            </a:cxnLst>
+            <a:rect l="l" t="t" r="r" b="b"/>
+            <a:pathLst>
+              <a:path w="11786754" h="6858000">
+                <a:moveTo>
+                  <a:pt x="0" y="0"/>
+                </a:moveTo>
+                <a:lnTo>
+                  <a:pt x="8610600" y="0"/>
+                </a:lnTo>
+                <a:lnTo>
+                  <a:pt x="11786754" y="6858000"/>
+                </a:lnTo>
+                <a:lnTo>
+                  <a:pt x="0" y="6858000"/>
+                </a:lnTo>
+                <a:close/>
+              </a:path>
+            </a:pathLst>
+          </a:custGeom>
+          <a:solidFill>
+            <a:schemeClr val="bg1">
+              <a:alpha val="30000"/>
+            </a:schemeClr>
+          </a:solidFill>
+          <a:ln>
+            <a:noFill/>
+          </a:ln>
+        </p:spPr>
+        <p:style>
+          <a:lnRef idx="2">
+            <a:schemeClr val="accent1">
+              <a:shade val="50000"/>
+            </a:schemeClr>
+          </a:lnRef>
+          <a:fillRef idx="1">
+            <a:schemeClr val="accent1"/>
+          </a:fillRef>
+          <a:effectRef idx="0">
+            <a:schemeClr val="accent1"/>
+          </a:effectRef>
+          <a:fontRef idx="minor">
+            <a:schemeClr val="lt1"/>
+          </a:fontRef>
+        </p:style>
+        <p:txBody>
+          <a:bodyPr rtlCol="0" anchor="ctr"/>
+          <a:lstStyle/>
+          <a:p>
+            <a:pPr algn="ctr"/>
+            <a:endParaRPr lang="en-US"/>
+          </a:p>
+        </p:txBody>
+      </p:sp>
+      <p:sp>
+        <p:nvSpPr>
+          <p:cNvPr id="26" name="Freeform 11">
+            <a:extLst>
+              <a:ext uri="{FF2B5EF4-FFF2-40B4-BE49-F238E27FC236}">
+                <a16:creationId xmlns:a16="http://schemas.microsoft.com/office/drawing/2014/main" id="{FBE3B62F-5853-4A3C-B050-6186351A7176}"/>
+              </a:ext>
+              <a:ext uri="{C183D7F6-B498-43B3-948B-1728B52AA6E4}">
+                <adec:decorative xmlns:adec="http://schemas.microsoft.com/office/drawing/2017/decorative" val="1"/>
+              </a:ext>
+            </a:extLst>
+          </p:cNvPr>
+          <p:cNvSpPr>
+            <a:spLocks noGrp="1" noRot="1" noChangeAspect="1" noMove="1" noResize="1" noEditPoints="1" noAdjustHandles="1" noChangeArrowheads="1" noChangeShapeType="1" noTextEdit="1"/>
+          </p:cNvSpPr>
+          <p:nvPr>
+            <p:extLst>
+              <p:ext uri="{386F3935-93C4-4BCD-93E2-E3B085C9AB24}">
+                <p16:designElem xmlns:p16="http://schemas.microsoft.com/office/powerpoint/2015/main" val="1"/>
+              </p:ext>
+            </p:extLst>
+          </p:nvPr>
+        </p:nvSpPr>
+        <p:spPr>
+          <a:xfrm>
+            <a:off x="0" y="0"/>
+            <a:ext cx="3581400" cy="6858000"/>
+          </a:xfrm>
+          <a:custGeom>
+            <a:avLst/>
+            <a:gdLst>
+              <a:gd name="connsiteX0" fmla="*/ 0 w 3581400"/>
+              <a:gd name="connsiteY0" fmla="*/ 0 h 6858000"/>
+              <a:gd name="connsiteX1" fmla="*/ 405246 w 3581400"/>
+              <a:gd name="connsiteY1" fmla="*/ 0 h 6858000"/>
+              <a:gd name="connsiteX2" fmla="*/ 3581400 w 3581400"/>
+              <a:gd name="connsiteY2" fmla="*/ 6858000 h 6858000"/>
+              <a:gd name="connsiteX3" fmla="*/ 0 w 3581400"/>
+              <a:gd name="connsiteY3" fmla="*/ 6858000 h 6858000"/>
+            </a:gdLst>
+            <a:ahLst/>
+            <a:cxnLst>
+              <a:cxn ang="0">
+                <a:pos x="connsiteX0" y="connsiteY0"/>
+              </a:cxn>
+              <a:cxn ang="0">
+                <a:pos x="connsiteX1" y="connsiteY1"/>
+              </a:cxn>
+              <a:cxn ang="0">
+                <a:pos x="connsiteX2" y="connsiteY2"/>
+              </a:cxn>
+              <a:cxn ang="0">
+                <a:pos x="connsiteX3" y="connsiteY3"/>
+              </a:cxn>
+            </a:cxnLst>
+            <a:rect l="l" t="t" r="r" b="b"/>
+            <a:pathLst>
+              <a:path w="3581400" h="6858000">
+                <a:moveTo>
+                  <a:pt x="0" y="0"/>
+                </a:moveTo>
+                <a:lnTo>
+                  <a:pt x="405246" y="0"/>
+                </a:lnTo>
+                <a:lnTo>
+                  <a:pt x="3581400" y="6858000"/>
+                </a:lnTo>
+                <a:lnTo>
+                  <a:pt x="0" y="6858000"/>
+                </a:lnTo>
+                <a:close/>
+              </a:path>
+            </a:pathLst>
+          </a:custGeom>
+          <a:solidFill>
+            <a:schemeClr val="bg1">
+              <a:alpha val="30000"/>
+            </a:schemeClr>
+          </a:solidFill>
+          <a:ln>
+            <a:noFill/>
+          </a:ln>
+        </p:spPr>
+        <p:style>
+          <a:lnRef idx="2">
+            <a:schemeClr val="accent1">
+              <a:shade val="50000"/>
+            </a:schemeClr>
+          </a:lnRef>
+          <a:fillRef idx="1">
+            <a:schemeClr val="accent1"/>
+          </a:fillRef>
+          <a:effectRef idx="0">
+            <a:schemeClr val="accent1"/>
+          </a:effectRef>
+          <a:fontRef idx="minor">
+            <a:schemeClr val="lt1"/>
+          </a:fontRef>
+        </p:style>
+        <p:txBody>
+          <a:bodyPr wrap="square" rtlCol="0" anchor="ctr">
+            <a:noAutofit/>
+          </a:bodyPr>
+          <a:lstStyle/>
+          <a:p>
+            <a:pPr algn="ctr"/>
+            <a:endParaRPr lang="en-US"/>
+          </a:p>
+        </p:txBody>
+      </p:sp>
+      <p:sp>
+        <p:nvSpPr>
+          <p:cNvPr id="2" name="Title 1">
+            <a:extLst>
+              <a:ext uri="{FF2B5EF4-FFF2-40B4-BE49-F238E27FC236}">
+                <a16:creationId xmlns:a16="http://schemas.microsoft.com/office/drawing/2014/main" id="{E5FA3D01-D18B-4AA1-8D39-289FDED32413}"/>
+              </a:ext>
+            </a:extLst>
+          </p:cNvPr>
+          <p:cNvSpPr>
+            <a:spLocks noGrp="1"/>
+          </p:cNvSpPr>
+          <p:nvPr>
+            <p:ph type="title"/>
+          </p:nvPr>
+        </p:nvSpPr>
+        <p:spPr>
+          <a:xfrm>
+            <a:off x="833002" y="448253"/>
+            <a:ext cx="10520702" cy="1325563"/>
+          </a:xfrm>
+        </p:spPr>
+        <p:txBody>
+          <a:bodyPr vert="horz" lIns="91440" tIns="45720" rIns="91440" bIns="45720" rtlCol="0" anchor="ctr">
+            <a:normAutofit/>
+          </a:bodyPr>
+          <a:lstStyle/>
+          <a:p>
+            <a:r>
+              <a:rPr lang="en-US" sz="4400" kern="1200" dirty="0">
+                <a:solidFill>
+                  <a:schemeClr val="tx1"/>
+                </a:solidFill>
+                <a:latin typeface="+mj-lt"/>
+                <a:ea typeface="+mj-ea"/>
+                <a:cs typeface="+mj-cs"/>
+              </a:rPr>
+              <a:t>Random Forest </a:t>
+            </a:r>
+            <a:br>
+              <a:rPr lang="en-US" sz="4400" kern="1200" dirty="0">
+                <a:solidFill>
+                  <a:schemeClr val="tx1"/>
+                </a:solidFill>
+                <a:latin typeface="+mj-lt"/>
+                <a:ea typeface="+mj-ea"/>
+                <a:cs typeface="+mj-cs"/>
+              </a:rPr>
+            </a:br>
+            <a:r>
+              <a:rPr lang="en-US" sz="4400" kern="1200" dirty="0">
+                <a:solidFill>
+                  <a:schemeClr val="tx1"/>
+                </a:solidFill>
+                <a:latin typeface="+mj-lt"/>
+                <a:ea typeface="+mj-ea"/>
+                <a:cs typeface="+mj-cs"/>
+              </a:rPr>
+              <a:t>K</a:t>
+            </a:r>
+            <a:r>
+              <a:rPr lang="en-US" dirty="0"/>
+              <a:t>-Nearest Neighbors</a:t>
+            </a:r>
+          </a:p>
+        </p:txBody>
+      </p:sp>
+      <p:pic>
+        <p:nvPicPr>
+          <p:cNvPr id="6" name="Content Placeholder 5">
+            <a:extLst>
+              <a:ext uri="{FF2B5EF4-FFF2-40B4-BE49-F238E27FC236}">
+                <a16:creationId xmlns:a16="http://schemas.microsoft.com/office/drawing/2014/main" id="{39EE4480-C08E-46D1-801B-0F34CAA3DC1D}"/>
+              </a:ext>
+            </a:extLst>
+          </p:cNvPr>
+          <p:cNvPicPr>
+            <a:picLocks noGrp="1" noChangeAspect="1"/>
+          </p:cNvPicPr>
+          <p:nvPr>
+            <p:ph sz="half" idx="2"/>
+          </p:nvPr>
+        </p:nvPicPr>
+        <p:blipFill>
+          <a:blip r:embed="rId2"/>
+          <a:stretch>
+            <a:fillRect/>
+          </a:stretch>
+        </p:blipFill>
+        <p:spPr>
+          <a:xfrm>
+            <a:off x="5627124" y="1773816"/>
+            <a:ext cx="6506571" cy="4635931"/>
+          </a:xfrm>
+          <a:prstGeom prst="rect">
+            <a:avLst/>
+          </a:prstGeom>
+        </p:spPr>
+      </p:pic>
+      <p:pic>
+        <p:nvPicPr>
+          <p:cNvPr id="18" name="Content Placeholder 7">
+            <a:extLst>
+              <a:ext uri="{FF2B5EF4-FFF2-40B4-BE49-F238E27FC236}">
+                <a16:creationId xmlns:a16="http://schemas.microsoft.com/office/drawing/2014/main" id="{67B516A3-2EA6-4D84-969E-16F4446F29BB}"/>
+              </a:ext>
+            </a:extLst>
+          </p:cNvPr>
+          <p:cNvPicPr>
+            <a:picLocks noGrp="1" noChangeAspect="1"/>
+          </p:cNvPicPr>
+          <p:nvPr>
+            <p:ph sz="half" idx="1"/>
+          </p:nvPr>
+        </p:nvPicPr>
+        <p:blipFill>
+          <a:blip r:embed="rId3"/>
+          <a:stretch>
+            <a:fillRect/>
+          </a:stretch>
+        </p:blipFill>
+        <p:spPr>
+          <a:xfrm>
+            <a:off x="833002" y="1773816"/>
+            <a:ext cx="4793357" cy="5051461"/>
+          </a:xfrm>
+          <a:prstGeom prst="rect">
+            <a:avLst/>
+          </a:prstGeom>
+        </p:spPr>
+      </p:pic>
+    </p:spTree>
+    <p:extLst>
+      <p:ext uri="{BB962C8B-B14F-4D97-AF65-F5344CB8AC3E}">
+        <p14:creationId xmlns:p14="http://schemas.microsoft.com/office/powerpoint/2010/main" val="1880690683"/>
+      </p:ext>
+    </p:extLst>
+  </p:cSld>
+  <p:clrMapOvr>
+    <a:overrideClrMapping bg1="dk1" tx1="lt1" bg2="dk2" tx2="lt2" accent1="accent1" accent2="accent2" accent3="accent3" accent4="accent4" accent5="accent5" accent6="accent6" hlink="hlink" folHlink="folHlink"/>
+  </p:clrMapOvr>
+</p:sld>
+</file>
+
+<file path=ppt/slides/slide13.xml><?xml version="1.0" encoding="utf-8"?>
+<p:sld xmlns:a="http://schemas.openxmlformats.org/drawingml/2006/main" xmlns:r="http://schemas.openxmlformats.org/officeDocument/2006/relationships" xmlns:p="http://schemas.openxmlformats.org/presentationml/2006/main">
+  <p:cSld>
+    <p:bg>
+      <p:bgPr>
+        <a:solidFill>
+          <a:schemeClr val="bg1">
+            <a:tint val="95000"/>
+            <a:satMod val="170000"/>
+          </a:schemeClr>
+        </a:solidFill>
+        <a:effectLst/>
+      </p:bgPr>
+    </p:bg>
+    <p:spTree>
+      <p:nvGrpSpPr>
+        <p:cNvPr id="1" name=""/>
+        <p:cNvGrpSpPr/>
+        <p:nvPr/>
+      </p:nvGrpSpPr>
+      <p:grpSpPr>
+        <a:xfrm>
+          <a:off x="0" y="0"/>
+          <a:ext cx="0" cy="0"/>
+          <a:chOff x="0" y="0"/>
+          <a:chExt cx="0" cy="0"/>
+        </a:xfrm>
+      </p:grpSpPr>
+      <p:sp>
+        <p:nvSpPr>
+          <p:cNvPr id="21" name="Freeform 21">
+            <a:extLst>
+              <a:ext uri="{FF2B5EF4-FFF2-40B4-BE49-F238E27FC236}">
+                <a16:creationId xmlns:a16="http://schemas.microsoft.com/office/drawing/2014/main" id="{FEB0B922-A6AE-4089-8B21-F3E1A77093DD}"/>
+              </a:ext>
+              <a:ext uri="{C183D7F6-B498-43B3-948B-1728B52AA6E4}">
+                <adec:decorative xmlns:adec="http://schemas.microsoft.com/office/drawing/2017/decorative" val="1"/>
+              </a:ext>
+            </a:extLst>
+          </p:cNvPr>
+          <p:cNvSpPr>
+            <a:spLocks noGrp="1" noRot="1" noChangeAspect="1" noMove="1" noResize="1" noEditPoints="1" noAdjustHandles="1" noChangeArrowheads="1" noChangeShapeType="1" noTextEdit="1"/>
+          </p:cNvSpPr>
+          <p:nvPr>
+            <p:extLst>
+              <p:ext uri="{386F3935-93C4-4BCD-93E2-E3B085C9AB24}">
+                <p16:designElem xmlns:p16="http://schemas.microsoft.com/office/powerpoint/2015/main" val="1"/>
+              </p:ext>
+            </p:extLst>
+          </p:nvPr>
+        </p:nvSpPr>
+        <p:spPr>
+          <a:xfrm>
+            <a:off x="0" y="0"/>
+            <a:ext cx="10237586" cy="6858000"/>
+          </a:xfrm>
+          <a:custGeom>
+            <a:avLst/>
+            <a:gdLst>
+              <a:gd name="connsiteX0" fmla="*/ 0 w 10237586"/>
+              <a:gd name="connsiteY0" fmla="*/ 0 h 6858000"/>
+              <a:gd name="connsiteX1" fmla="*/ 7061432 w 10237586"/>
+              <a:gd name="connsiteY1" fmla="*/ 0 h 6858000"/>
+              <a:gd name="connsiteX2" fmla="*/ 10237586 w 10237586"/>
+              <a:gd name="connsiteY2" fmla="*/ 6858000 h 6858000"/>
+              <a:gd name="connsiteX3" fmla="*/ 0 w 10237586"/>
+              <a:gd name="connsiteY3" fmla="*/ 6858000 h 6858000"/>
+            </a:gdLst>
+            <a:ahLst/>
+            <a:cxnLst>
+              <a:cxn ang="0">
+                <a:pos x="connsiteX0" y="connsiteY0"/>
+              </a:cxn>
+              <a:cxn ang="0">
+                <a:pos x="connsiteX1" y="connsiteY1"/>
+              </a:cxn>
+              <a:cxn ang="0">
+                <a:pos x="connsiteX2" y="connsiteY2"/>
+              </a:cxn>
+              <a:cxn ang="0">
+                <a:pos x="connsiteX3" y="connsiteY3"/>
+              </a:cxn>
+            </a:cxnLst>
+            <a:rect l="l" t="t" r="r" b="b"/>
+            <a:pathLst>
+              <a:path w="10237586" h="6858000">
+                <a:moveTo>
+                  <a:pt x="0" y="0"/>
+                </a:moveTo>
+                <a:lnTo>
+                  <a:pt x="7061432" y="0"/>
+                </a:lnTo>
+                <a:lnTo>
+                  <a:pt x="10237586" y="6858000"/>
+                </a:lnTo>
+                <a:lnTo>
+                  <a:pt x="0" y="6858000"/>
+                </a:lnTo>
+                <a:close/>
+              </a:path>
+            </a:pathLst>
+          </a:custGeom>
+          <a:solidFill>
+            <a:srgbClr val="000000">
+              <a:alpha val="43922"/>
+            </a:srgbClr>
+          </a:solidFill>
+          <a:ln>
+            <a:noFill/>
+          </a:ln>
+        </p:spPr>
+        <p:style>
+          <a:lnRef idx="2">
+            <a:schemeClr val="accent1">
+              <a:shade val="50000"/>
+            </a:schemeClr>
+          </a:lnRef>
+          <a:fillRef idx="1">
+            <a:schemeClr val="accent1"/>
+          </a:fillRef>
+          <a:effectRef idx="0">
+            <a:schemeClr val="accent1"/>
+          </a:effectRef>
+          <a:fontRef idx="minor">
+            <a:schemeClr val="lt1"/>
+          </a:fontRef>
+        </p:style>
+        <p:txBody>
+          <a:bodyPr wrap="square" rtlCol="0" anchor="ctr">
+            <a:noAutofit/>
+          </a:bodyPr>
+          <a:lstStyle/>
+          <a:p>
+            <a:pPr algn="ctr"/>
+            <a:endParaRPr lang="en-US"/>
+          </a:p>
+        </p:txBody>
+      </p:sp>
+      <p:sp>
+        <p:nvSpPr>
+          <p:cNvPr id="23" name="Freeform 20">
+            <a:extLst>
+              <a:ext uri="{FF2B5EF4-FFF2-40B4-BE49-F238E27FC236}">
+                <a16:creationId xmlns:a16="http://schemas.microsoft.com/office/drawing/2014/main" id="{C5EB7378-ADA3-4D6E-8E3A-09FAD1478FB4}"/>
+              </a:ext>
+              <a:ext uri="{C183D7F6-B498-43B3-948B-1728B52AA6E4}">
+                <adec:decorative xmlns:adec="http://schemas.microsoft.com/office/drawing/2017/decorative" val="1"/>
+              </a:ext>
+            </a:extLst>
+          </p:cNvPr>
+          <p:cNvSpPr>
+            <a:spLocks noGrp="1" noRot="1" noChangeAspect="1" noMove="1" noResize="1" noEditPoints="1" noAdjustHandles="1" noChangeArrowheads="1" noChangeShapeType="1" noTextEdit="1"/>
+          </p:cNvSpPr>
+          <p:nvPr>
+            <p:extLst>
+              <p:ext uri="{386F3935-93C4-4BCD-93E2-E3B085C9AB24}">
+                <p16:designElem xmlns:p16="http://schemas.microsoft.com/office/powerpoint/2015/main" val="1"/>
+              </p:ext>
+            </p:extLst>
+          </p:nvPr>
+        </p:nvSpPr>
+        <p:spPr>
+          <a:xfrm>
+            <a:off x="0" y="0"/>
+            <a:ext cx="9380336" cy="6858000"/>
+          </a:xfrm>
+          <a:custGeom>
+            <a:avLst/>
+            <a:gdLst>
+              <a:gd name="connsiteX0" fmla="*/ 0 w 9380336"/>
+              <a:gd name="connsiteY0" fmla="*/ 0 h 6858000"/>
+              <a:gd name="connsiteX1" fmla="*/ 6204182 w 9380336"/>
+              <a:gd name="connsiteY1" fmla="*/ 0 h 6858000"/>
+              <a:gd name="connsiteX2" fmla="*/ 9380336 w 9380336"/>
+              <a:gd name="connsiteY2" fmla="*/ 6858000 h 6858000"/>
+              <a:gd name="connsiteX3" fmla="*/ 0 w 9380336"/>
+              <a:gd name="connsiteY3" fmla="*/ 6858000 h 6858000"/>
+            </a:gdLst>
+            <a:ahLst/>
+            <a:cxnLst>
+              <a:cxn ang="0">
+                <a:pos x="connsiteX0" y="connsiteY0"/>
+              </a:cxn>
+              <a:cxn ang="0">
+                <a:pos x="connsiteX1" y="connsiteY1"/>
+              </a:cxn>
+              <a:cxn ang="0">
+                <a:pos x="connsiteX2" y="connsiteY2"/>
+              </a:cxn>
+              <a:cxn ang="0">
+                <a:pos x="connsiteX3" y="connsiteY3"/>
+              </a:cxn>
+            </a:cxnLst>
+            <a:rect l="l" t="t" r="r" b="b"/>
+            <a:pathLst>
+              <a:path w="9380336" h="6858000">
+                <a:moveTo>
+                  <a:pt x="0" y="0"/>
+                </a:moveTo>
+                <a:lnTo>
+                  <a:pt x="6204182" y="0"/>
+                </a:lnTo>
+                <a:lnTo>
+                  <a:pt x="9380336" y="6858000"/>
+                </a:lnTo>
+                <a:lnTo>
+                  <a:pt x="0" y="6858000"/>
+                </a:lnTo>
+                <a:close/>
+              </a:path>
+            </a:pathLst>
+          </a:custGeom>
+          <a:solidFill>
+            <a:srgbClr val="000000">
+              <a:alpha val="69804"/>
+            </a:srgbClr>
+          </a:solidFill>
+          <a:ln>
+            <a:noFill/>
+          </a:ln>
+        </p:spPr>
+        <p:style>
+          <a:lnRef idx="2">
+            <a:schemeClr val="accent1">
+              <a:shade val="50000"/>
+            </a:schemeClr>
+          </a:lnRef>
+          <a:fillRef idx="1">
+            <a:schemeClr val="accent1"/>
+          </a:fillRef>
+          <a:effectRef idx="0">
+            <a:schemeClr val="accent1"/>
+          </a:effectRef>
+          <a:fontRef idx="minor">
+            <a:schemeClr val="lt1"/>
+          </a:fontRef>
+        </p:style>
+        <p:txBody>
+          <a:bodyPr wrap="square" rtlCol="0" anchor="ctr">
+            <a:noAutofit/>
+          </a:bodyPr>
+          <a:lstStyle/>
+          <a:p>
+            <a:pPr algn="ctr"/>
+            <a:endParaRPr lang="en-US"/>
+          </a:p>
+        </p:txBody>
+      </p:sp>
+      <p:sp>
+        <p:nvSpPr>
+          <p:cNvPr id="2" name="Title 1">
+            <a:extLst>
+              <a:ext uri="{FF2B5EF4-FFF2-40B4-BE49-F238E27FC236}">
+                <a16:creationId xmlns:a16="http://schemas.microsoft.com/office/drawing/2014/main" id="{8CD6BBA6-19F3-4496-9F22-21371693B916}"/>
+              </a:ext>
+            </a:extLst>
+          </p:cNvPr>
+          <p:cNvSpPr>
+            <a:spLocks noGrp="1"/>
+          </p:cNvSpPr>
+          <p:nvPr>
+            <p:ph type="title"/>
+          </p:nvPr>
+        </p:nvSpPr>
+        <p:spPr>
+          <a:xfrm>
+            <a:off x="838200" y="365125"/>
+            <a:ext cx="10515600" cy="1325563"/>
+          </a:xfrm>
+        </p:spPr>
+        <p:txBody>
+          <a:bodyPr vert="horz" lIns="91440" tIns="45720" rIns="91440" bIns="45720" rtlCol="0" anchor="ctr">
+            <a:normAutofit/>
+          </a:bodyPr>
+          <a:lstStyle/>
+          <a:p>
+            <a:r>
+              <a:rPr lang="en-US">
+                <a:solidFill>
+                  <a:srgbClr val="FFFFFF"/>
+                </a:solidFill>
+              </a:rPr>
+              <a:t>Cross Validation with 10 K folds</a:t>
+            </a:r>
+          </a:p>
+        </p:txBody>
+      </p:sp>
+      <p:sp>
+        <p:nvSpPr>
+          <p:cNvPr id="12" name="Content Placeholder 11">
+            <a:extLst>
+              <a:ext uri="{FF2B5EF4-FFF2-40B4-BE49-F238E27FC236}">
+                <a16:creationId xmlns:a16="http://schemas.microsoft.com/office/drawing/2014/main" id="{F33274A6-D290-412F-A1CC-41834875613B}"/>
+              </a:ext>
+            </a:extLst>
+          </p:cNvPr>
+          <p:cNvSpPr>
+            <a:spLocks noGrp="1"/>
+          </p:cNvSpPr>
+          <p:nvPr>
+            <p:ph sz="half" idx="2"/>
+          </p:nvPr>
+        </p:nvSpPr>
+        <p:spPr>
+          <a:xfrm>
+            <a:off x="838200" y="2021249"/>
+            <a:ext cx="5707565" cy="4155713"/>
+          </a:xfrm>
+        </p:spPr>
+        <p:txBody>
+          <a:bodyPr vert="horz" lIns="91440" tIns="45720" rIns="91440" bIns="45720" rtlCol="0">
+            <a:normAutofit/>
+          </a:bodyPr>
+          <a:lstStyle/>
+          <a:p>
+            <a:r>
+              <a:rPr lang="en-US" sz="2000">
+                <a:solidFill>
+                  <a:srgbClr val="FFFFFF"/>
+                </a:solidFill>
+              </a:rPr>
+              <a:t>Best Model is Random Forest </a:t>
+            </a:r>
+          </a:p>
+          <a:p>
+            <a:r>
+              <a:rPr lang="en-US" sz="2000">
+                <a:solidFill>
+                  <a:srgbClr val="FFFFFF"/>
+                </a:solidFill>
+              </a:rPr>
+              <a:t>with best R Squared Score 0.85</a:t>
+            </a:r>
+          </a:p>
+        </p:txBody>
+      </p:sp>
+      <p:pic>
+        <p:nvPicPr>
+          <p:cNvPr id="8" name="Picture 7">
+            <a:extLst>
+              <a:ext uri="{FF2B5EF4-FFF2-40B4-BE49-F238E27FC236}">
+                <a16:creationId xmlns:a16="http://schemas.microsoft.com/office/drawing/2014/main" id="{5B5610FE-0504-4114-9E6F-8DAB7A8C86E5}"/>
+              </a:ext>
+            </a:extLst>
+          </p:cNvPr>
+          <p:cNvPicPr>
+            <a:picLocks noChangeAspect="1"/>
+          </p:cNvPicPr>
+          <p:nvPr/>
+        </p:nvPicPr>
+        <p:blipFill>
+          <a:blip r:embed="rId2"/>
+          <a:stretch>
+            <a:fillRect/>
+          </a:stretch>
+        </p:blipFill>
+        <p:spPr>
+          <a:xfrm>
+            <a:off x="7192537" y="3525449"/>
+            <a:ext cx="4361217" cy="2967426"/>
+          </a:xfrm>
+          <a:prstGeom prst="rect">
+            <a:avLst/>
+          </a:prstGeom>
+        </p:spPr>
+      </p:pic>
+      <p:pic>
+        <p:nvPicPr>
+          <p:cNvPr id="16" name="Picture 15">
+            <a:extLst>
+              <a:ext uri="{FF2B5EF4-FFF2-40B4-BE49-F238E27FC236}">
+                <a16:creationId xmlns:a16="http://schemas.microsoft.com/office/drawing/2014/main" id="{05C4A470-5511-4CF1-9C6D-ABCF3B2EFE2E}"/>
+              </a:ext>
+            </a:extLst>
+          </p:cNvPr>
+          <p:cNvPicPr>
+            <a:picLocks noChangeAspect="1"/>
+          </p:cNvPicPr>
+          <p:nvPr/>
+        </p:nvPicPr>
+        <p:blipFill>
+          <a:blip r:embed="rId3"/>
+          <a:stretch>
+            <a:fillRect/>
+          </a:stretch>
+        </p:blipFill>
+        <p:spPr>
+          <a:xfrm>
+            <a:off x="7192537" y="1666112"/>
+            <a:ext cx="4313663" cy="1859337"/>
+          </a:xfrm>
+          <a:prstGeom prst="rect">
+            <a:avLst/>
+          </a:prstGeom>
+        </p:spPr>
+      </p:pic>
+    </p:spTree>
+    <p:extLst>
+      <p:ext uri="{BB962C8B-B14F-4D97-AF65-F5344CB8AC3E}">
+        <p14:creationId xmlns:p14="http://schemas.microsoft.com/office/powerpoint/2010/main" val="946928279"/>
+      </p:ext>
+    </p:extLst>
+  </p:cSld>
+  <p:clrMapOvr>
+    <a:overrideClrMapping bg1="dk1" tx1="lt1" bg2="dk2" tx2="lt2" accent1="accent1" accent2="accent2" accent3="accent3" accent4="accent4" accent5="accent5" accent6="accent6" hlink="hlink" folHlink="folHlink"/>
+  </p:clrMapOvr>
+</p:sld>
+</file>
+
+<file path=ppt/slides/slide14.xml><?xml version="1.0" encoding="utf-8"?>
+<p:sld xmlns:a="http://schemas.openxmlformats.org/drawingml/2006/main" xmlns:r="http://schemas.openxmlformats.org/officeDocument/2006/relationships" xmlns:p="http://schemas.openxmlformats.org/presentationml/2006/main">
+  <p:cSld>
+    <p:bg>
+      <p:bgPr>
+        <a:solidFill>
+          <a:schemeClr val="bg1">
+            <a:tint val="95000"/>
+            <a:satMod val="170000"/>
+          </a:schemeClr>
+        </a:solidFill>
+        <a:effectLst/>
+      </p:bgPr>
+    </p:bg>
+    <p:spTree>
+      <p:nvGrpSpPr>
+        <p:cNvPr id="1" name=""/>
+        <p:cNvGrpSpPr/>
+        <p:nvPr/>
+      </p:nvGrpSpPr>
+      <p:grpSpPr>
+        <a:xfrm>
+          <a:off x="0" y="0"/>
+          <a:ext cx="0" cy="0"/>
+          <a:chOff x="0" y="0"/>
+          <a:chExt cx="0" cy="0"/>
+        </a:xfrm>
+      </p:grpSpPr>
+      <p:sp>
+        <p:nvSpPr>
           <p:cNvPr id="15" name="Freeform 21">
             <a:extLst>
               <a:ext uri="{FF2B5EF4-FFF2-40B4-BE49-F238E27FC236}">
@@ -4671,7 +6113,7 @@
 </p:sld>
 </file>
 
-<file path=ppt/slides/slide12.xml><?xml version="1.0" encoding="utf-8"?>
+<file path=ppt/slides/slide15.xml><?xml version="1.0" encoding="utf-8"?>
 <p:sld xmlns:a="http://schemas.openxmlformats.org/drawingml/2006/main" xmlns:r="http://schemas.openxmlformats.org/officeDocument/2006/relationships" xmlns:p="http://schemas.openxmlformats.org/presentationml/2006/main">
   <p:cSld>
     <p:bg>
@@ -5512,7 +6954,7 @@
                 <a:ea typeface="+mj-ea"/>
                 <a:cs typeface="+mj-cs"/>
               </a:rPr>
-              <a:t>Data Gathering</a:t>
+              <a:t>Dataset</a:t>
             </a:r>
           </a:p>
         </p:txBody>
@@ -5649,7 +7091,7 @@
       </p:grpSpPr>
       <p:sp>
         <p:nvSpPr>
-          <p:cNvPr id="8" name="Rectangle 7">
+          <p:cNvPr id="9" name="Rectangle 8">
             <a:extLst>
               <a:ext uri="{FF2B5EF4-FFF2-40B4-BE49-F238E27FC236}">
                 <a16:creationId xmlns:a16="http://schemas.microsoft.com/office/drawing/2014/main" id="{EA67B5B4-3A24-436E-B663-1B2EBFF8A0CD}"/>
@@ -5712,7 +7154,7 @@
       </p:sp>
       <p:sp>
         <p:nvSpPr>
-          <p:cNvPr id="10" name="Freeform 13">
+          <p:cNvPr id="11" name="Freeform 13">
             <a:extLst>
               <a:ext uri="{FF2B5EF4-FFF2-40B4-BE49-F238E27FC236}">
                 <a16:creationId xmlns:a16="http://schemas.microsoft.com/office/drawing/2014/main" id="{987FDF89-C993-41F4-A1B8-DBAFF16008A9}"/>
@@ -5820,7 +7262,7 @@
       </p:sp>
       <p:sp>
         <p:nvSpPr>
-          <p:cNvPr id="12" name="Freeform 11">
+          <p:cNvPr id="13" name="Freeform 11">
             <a:extLst>
               <a:ext uri="{FF2B5EF4-FFF2-40B4-BE49-F238E27FC236}">
                 <a16:creationId xmlns:a16="http://schemas.microsoft.com/office/drawing/2014/main" id="{64E585EA-75FD-4025-8270-F66A58A15CDA}"/>
@@ -5930,10 +7372,10 @@
       </p:sp>
       <p:sp>
         <p:nvSpPr>
-          <p:cNvPr id="2" name="Title 1">
-            <a:extLst>
-              <a:ext uri="{FF2B5EF4-FFF2-40B4-BE49-F238E27FC236}">
-                <a16:creationId xmlns:a16="http://schemas.microsoft.com/office/drawing/2014/main" id="{3314261E-555F-44C1-883A-0A8A3B7B76F8}"/>
+          <p:cNvPr id="3" name="Title 2">
+            <a:extLst>
+              <a:ext uri="{FF2B5EF4-FFF2-40B4-BE49-F238E27FC236}">
+                <a16:creationId xmlns:a16="http://schemas.microsoft.com/office/drawing/2014/main" id="{E1FA8BF5-9ABB-4739-AB67-697132286D47}"/>
               </a:ext>
             </a:extLst>
           </p:cNvPr>
@@ -5957,7 +7399,466 @@
           <a:lstStyle/>
           <a:p>
             <a:r>
-              <a:rPr lang="en-US" kern="1200">
+              <a:rPr lang="en-US" dirty="0">
+                <a:solidFill>
+                  <a:srgbClr val="FFFFFF"/>
+                </a:solidFill>
+              </a:rPr>
+              <a:t>Dataset Description </a:t>
+            </a:r>
+          </a:p>
+        </p:txBody>
+      </p:sp>
+      <p:sp>
+        <p:nvSpPr>
+          <p:cNvPr id="4" name="Content Placeholder 3">
+            <a:extLst>
+              <a:ext uri="{FF2B5EF4-FFF2-40B4-BE49-F238E27FC236}">
+                <a16:creationId xmlns:a16="http://schemas.microsoft.com/office/drawing/2014/main" id="{E2C80BE3-C9F6-48E3-A588-596D2B4C649D}"/>
+              </a:ext>
+            </a:extLst>
+          </p:cNvPr>
+          <p:cNvSpPr>
+            <a:spLocks noGrp="1"/>
+          </p:cNvSpPr>
+          <p:nvPr>
+            <p:ph idx="1"/>
+          </p:nvPr>
+        </p:nvSpPr>
+        <p:spPr>
+          <a:xfrm>
+            <a:off x="838201" y="2022601"/>
+            <a:ext cx="10515598" cy="4154361"/>
+          </a:xfrm>
+        </p:spPr>
+        <p:txBody>
+          <a:bodyPr>
+            <a:normAutofit/>
+          </a:bodyPr>
+          <a:lstStyle/>
+          <a:p>
+            <a:r>
+              <a:rPr lang="en-US" sz="2000" b="0" i="0" dirty="0">
+                <a:solidFill>
+                  <a:srgbClr val="FFFFFF"/>
+                </a:solidFill>
+                <a:effectLst/>
+                <a:latin typeface="Helvetica Neue"/>
+              </a:rPr>
+              <a:t>The dataset is credited to Ronny </a:t>
+            </a:r>
+            <a:r>
+              <a:rPr lang="en-US" sz="2000" b="0" i="0" dirty="0" err="1">
+                <a:solidFill>
+                  <a:srgbClr val="FFFFFF"/>
+                </a:solidFill>
+                <a:effectLst/>
+                <a:latin typeface="Helvetica Neue"/>
+              </a:rPr>
+              <a:t>Kohavi</a:t>
+            </a:r>
+            <a:r>
+              <a:rPr lang="en-US" sz="2000" b="0" i="0" dirty="0">
+                <a:solidFill>
+                  <a:srgbClr val="FFFFFF"/>
+                </a:solidFill>
+                <a:effectLst/>
+                <a:latin typeface="Helvetica Neue"/>
+              </a:rPr>
+              <a:t> and Barry Becker and was drawn from the 1994 </a:t>
+            </a:r>
+            <a:r>
+              <a:rPr lang="en-US" sz="2000" b="0" i="0" u="none" strike="noStrike" dirty="0">
+                <a:solidFill>
+                  <a:srgbClr val="FFFFFF"/>
+                </a:solidFill>
+                <a:effectLst/>
+                <a:latin typeface="Helvetica Neue"/>
+                <a:hlinkClick r:id="rId2"/>
+              </a:rPr>
+              <a:t>United States Census Bureau</a:t>
+            </a:r>
+            <a:r>
+              <a:rPr lang="en-US" sz="2000" b="0" i="0" dirty="0">
+                <a:solidFill>
+                  <a:srgbClr val="FFFFFF"/>
+                </a:solidFill>
+                <a:effectLst/>
+                <a:latin typeface="Helvetica Neue"/>
+              </a:rPr>
+              <a:t> data and involves using personal details such as education level to predict whether an individual will earn more or less than $50,000 per year.</a:t>
+            </a:r>
+          </a:p>
+          <a:p>
+            <a:endParaRPr lang="en-US" sz="2000" dirty="0">
+              <a:solidFill>
+                <a:srgbClr val="FFFFFF"/>
+              </a:solidFill>
+              <a:latin typeface="Helvetica Neue"/>
+            </a:endParaRPr>
+          </a:p>
+          <a:p>
+            <a:r>
+              <a:rPr lang="en-US" sz="2000" dirty="0">
+                <a:solidFill>
+                  <a:srgbClr val="FFFFFF"/>
+                </a:solidFill>
+                <a:latin typeface="Helvetica Neue"/>
+              </a:rPr>
+              <a:t>The task is to predict whether a given adult makes more than $50,000 a year-based attributes such as education, hours of work per week, etc.</a:t>
+            </a:r>
+          </a:p>
+        </p:txBody>
+      </p:sp>
+    </p:spTree>
+    <p:extLst>
+      <p:ext uri="{BB962C8B-B14F-4D97-AF65-F5344CB8AC3E}">
+        <p14:creationId xmlns:p14="http://schemas.microsoft.com/office/powerpoint/2010/main" val="3316692892"/>
+      </p:ext>
+    </p:extLst>
+  </p:cSld>
+  <p:clrMapOvr>
+    <a:overrideClrMapping bg1="dk1" tx1="lt1" bg2="dk2" tx2="lt2" accent1="accent1" accent2="accent2" accent3="accent3" accent4="accent4" accent5="accent5" accent6="accent6" hlink="hlink" folHlink="folHlink"/>
+  </p:clrMapOvr>
+</p:sld>
+</file>
+
+<file path=ppt/slides/slide4.xml><?xml version="1.0" encoding="utf-8"?>
+<p:sld xmlns:a="http://schemas.openxmlformats.org/drawingml/2006/main" xmlns:r="http://schemas.openxmlformats.org/officeDocument/2006/relationships" xmlns:p="http://schemas.openxmlformats.org/presentationml/2006/main">
+  <p:cSld>
+    <p:bg>
+      <p:bgPr>
+        <a:solidFill>
+          <a:srgbClr val="404040"/>
+        </a:solidFill>
+        <a:effectLst/>
+      </p:bgPr>
+    </p:bg>
+    <p:spTree>
+      <p:nvGrpSpPr>
+        <p:cNvPr id="1" name=""/>
+        <p:cNvGrpSpPr/>
+        <p:nvPr/>
+      </p:nvGrpSpPr>
+      <p:grpSpPr>
+        <a:xfrm>
+          <a:off x="0" y="0"/>
+          <a:ext cx="0" cy="0"/>
+          <a:chOff x="0" y="0"/>
+          <a:chExt cx="0" cy="0"/>
+        </a:xfrm>
+      </p:grpSpPr>
+      <p:sp>
+        <p:nvSpPr>
+          <p:cNvPr id="8" name="Rectangle 7">
+            <a:extLst>
+              <a:ext uri="{FF2B5EF4-FFF2-40B4-BE49-F238E27FC236}">
+                <a16:creationId xmlns:a16="http://schemas.microsoft.com/office/drawing/2014/main" id="{EA67B5B4-3A24-436E-B663-1B2EBFF8A0CD}"/>
+              </a:ext>
+              <a:ext uri="{C183D7F6-B498-43B3-948B-1728B52AA6E4}">
+                <adec:decorative xmlns:adec="http://schemas.microsoft.com/office/drawing/2017/decorative" val="1"/>
+              </a:ext>
+            </a:extLst>
+          </p:cNvPr>
+          <p:cNvSpPr>
+            <a:spLocks noGrp="1" noRot="1" noChangeAspect="1" noMove="1" noResize="1" noEditPoints="1" noAdjustHandles="1" noChangeArrowheads="1" noChangeShapeType="1" noTextEdit="1"/>
+          </p:cNvSpPr>
+          <p:nvPr>
+            <p:extLst>
+              <p:ext uri="{386F3935-93C4-4BCD-93E2-E3B085C9AB24}">
+                <p16:designElem xmlns:p16="http://schemas.microsoft.com/office/powerpoint/2015/main" val="1"/>
+              </p:ext>
+            </p:extLst>
+          </p:nvPr>
+        </p:nvSpPr>
+        <p:spPr>
+          <a:xfrm>
+            <a:off x="0" y="-3324"/>
+            <a:ext cx="12192000" cy="6861324"/>
+          </a:xfrm>
+          <a:prstGeom prst="rect">
+            <a:avLst/>
+          </a:prstGeom>
+          <a:solidFill>
+            <a:srgbClr val="404040"/>
+          </a:solidFill>
+          <a:ln>
+            <a:noFill/>
+          </a:ln>
+        </p:spPr>
+        <p:style>
+          <a:lnRef idx="2">
+            <a:schemeClr val="accent1">
+              <a:shade val="50000"/>
+            </a:schemeClr>
+          </a:lnRef>
+          <a:fillRef idx="1">
+            <a:schemeClr val="accent1"/>
+          </a:fillRef>
+          <a:effectRef idx="0">
+            <a:schemeClr val="accent1"/>
+          </a:effectRef>
+          <a:fontRef idx="minor">
+            <a:schemeClr val="lt1"/>
+          </a:fontRef>
+        </p:style>
+        <p:txBody>
+          <a:bodyPr rtlCol="0" anchor="ctr"/>
+          <a:lstStyle/>
+          <a:p>
+            <a:pPr algn="ctr"/>
+            <a:endParaRPr lang="en-US"/>
+          </a:p>
+        </p:txBody>
+      </p:sp>
+      <p:sp>
+        <p:nvSpPr>
+          <p:cNvPr id="10" name="Freeform 13">
+            <a:extLst>
+              <a:ext uri="{FF2B5EF4-FFF2-40B4-BE49-F238E27FC236}">
+                <a16:creationId xmlns:a16="http://schemas.microsoft.com/office/drawing/2014/main" id="{987FDF89-C993-41F4-A1B8-DBAFF16008A9}"/>
+              </a:ext>
+              <a:ext uri="{C183D7F6-B498-43B3-948B-1728B52AA6E4}">
+                <adec:decorative xmlns:adec="http://schemas.microsoft.com/office/drawing/2017/decorative" val="1"/>
+              </a:ext>
+            </a:extLst>
+          </p:cNvPr>
+          <p:cNvSpPr>
+            <a:spLocks noGrp="1" noRot="1" noChangeAspect="1" noMove="1" noResize="1" noEditPoints="1" noAdjustHandles="1" noChangeArrowheads="1" noChangeShapeType="1" noTextEdit="1"/>
+          </p:cNvSpPr>
+          <p:nvPr>
+            <p:extLst>
+              <p:ext uri="{386F3935-93C4-4BCD-93E2-E3B085C9AB24}">
+                <p16:designElem xmlns:p16="http://schemas.microsoft.com/office/powerpoint/2015/main" val="1"/>
+              </p:ext>
+            </p:extLst>
+          </p:nvPr>
+        </p:nvSpPr>
+        <p:spPr>
+          <a:xfrm>
+            <a:off x="0" y="0"/>
+            <a:ext cx="11786754" cy="6858000"/>
+          </a:xfrm>
+          <a:custGeom>
+            <a:avLst/>
+            <a:gdLst>
+              <a:gd name="connsiteX0" fmla="*/ 0 w 11786754"/>
+              <a:gd name="connsiteY0" fmla="*/ 0 h 6858000"/>
+              <a:gd name="connsiteX1" fmla="*/ 8610600 w 11786754"/>
+              <a:gd name="connsiteY1" fmla="*/ 0 h 6858000"/>
+              <a:gd name="connsiteX2" fmla="*/ 11786754 w 11786754"/>
+              <a:gd name="connsiteY2" fmla="*/ 6858000 h 6858000"/>
+              <a:gd name="connsiteX3" fmla="*/ 0 w 11786754"/>
+              <a:gd name="connsiteY3" fmla="*/ 6858000 h 6858000"/>
+            </a:gdLst>
+            <a:ahLst/>
+            <a:cxnLst>
+              <a:cxn ang="0">
+                <a:pos x="connsiteX0" y="connsiteY0"/>
+              </a:cxn>
+              <a:cxn ang="0">
+                <a:pos x="connsiteX1" y="connsiteY1"/>
+              </a:cxn>
+              <a:cxn ang="0">
+                <a:pos x="connsiteX2" y="connsiteY2"/>
+              </a:cxn>
+              <a:cxn ang="0">
+                <a:pos x="connsiteX3" y="connsiteY3"/>
+              </a:cxn>
+            </a:cxnLst>
+            <a:rect l="l" t="t" r="r" b="b"/>
+            <a:pathLst>
+              <a:path w="11786754" h="6858000">
+                <a:moveTo>
+                  <a:pt x="0" y="0"/>
+                </a:moveTo>
+                <a:lnTo>
+                  <a:pt x="8610600" y="0"/>
+                </a:lnTo>
+                <a:lnTo>
+                  <a:pt x="11786754" y="6858000"/>
+                </a:lnTo>
+                <a:lnTo>
+                  <a:pt x="0" y="6858000"/>
+                </a:lnTo>
+                <a:close/>
+              </a:path>
+            </a:pathLst>
+          </a:custGeom>
+          <a:solidFill>
+            <a:srgbClr val="000000">
+              <a:alpha val="29804"/>
+            </a:srgbClr>
+          </a:solidFill>
+          <a:ln>
+            <a:noFill/>
+          </a:ln>
+        </p:spPr>
+        <p:style>
+          <a:lnRef idx="2">
+            <a:schemeClr val="accent1">
+              <a:shade val="50000"/>
+            </a:schemeClr>
+          </a:lnRef>
+          <a:fillRef idx="1">
+            <a:schemeClr val="accent1"/>
+          </a:fillRef>
+          <a:effectRef idx="0">
+            <a:schemeClr val="accent1"/>
+          </a:effectRef>
+          <a:fontRef idx="minor">
+            <a:schemeClr val="lt1"/>
+          </a:fontRef>
+        </p:style>
+        <p:txBody>
+          <a:bodyPr rtlCol="0" anchor="ctr"/>
+          <a:lstStyle/>
+          <a:p>
+            <a:pPr algn="ctr"/>
+            <a:endParaRPr lang="en-US"/>
+          </a:p>
+        </p:txBody>
+      </p:sp>
+      <p:sp>
+        <p:nvSpPr>
+          <p:cNvPr id="12" name="Freeform 11">
+            <a:extLst>
+              <a:ext uri="{FF2B5EF4-FFF2-40B4-BE49-F238E27FC236}">
+                <a16:creationId xmlns:a16="http://schemas.microsoft.com/office/drawing/2014/main" id="{64E585EA-75FD-4025-8270-F66A58A15CDA}"/>
+              </a:ext>
+              <a:ext uri="{C183D7F6-B498-43B3-948B-1728B52AA6E4}">
+                <adec:decorative xmlns:adec="http://schemas.microsoft.com/office/drawing/2017/decorative" val="1"/>
+              </a:ext>
+            </a:extLst>
+          </p:cNvPr>
+          <p:cNvSpPr>
+            <a:spLocks noGrp="1" noRot="1" noChangeAspect="1" noMove="1" noResize="1" noEditPoints="1" noAdjustHandles="1" noChangeArrowheads="1" noChangeShapeType="1" noTextEdit="1"/>
+          </p:cNvSpPr>
+          <p:nvPr>
+            <p:extLst>
+              <p:ext uri="{386F3935-93C4-4BCD-93E2-E3B085C9AB24}">
+                <p16:designElem xmlns:p16="http://schemas.microsoft.com/office/powerpoint/2015/main" val="1"/>
+              </p:ext>
+            </p:extLst>
+          </p:nvPr>
+        </p:nvSpPr>
+        <p:spPr>
+          <a:xfrm>
+            <a:off x="0" y="0"/>
+            <a:ext cx="3581400" cy="6858000"/>
+          </a:xfrm>
+          <a:custGeom>
+            <a:avLst/>
+            <a:gdLst>
+              <a:gd name="connsiteX0" fmla="*/ 0 w 3581400"/>
+              <a:gd name="connsiteY0" fmla="*/ 0 h 6858000"/>
+              <a:gd name="connsiteX1" fmla="*/ 405246 w 3581400"/>
+              <a:gd name="connsiteY1" fmla="*/ 0 h 6858000"/>
+              <a:gd name="connsiteX2" fmla="*/ 3581400 w 3581400"/>
+              <a:gd name="connsiteY2" fmla="*/ 6858000 h 6858000"/>
+              <a:gd name="connsiteX3" fmla="*/ 0 w 3581400"/>
+              <a:gd name="connsiteY3" fmla="*/ 6858000 h 6858000"/>
+            </a:gdLst>
+            <a:ahLst/>
+            <a:cxnLst>
+              <a:cxn ang="0">
+                <a:pos x="connsiteX0" y="connsiteY0"/>
+              </a:cxn>
+              <a:cxn ang="0">
+                <a:pos x="connsiteX1" y="connsiteY1"/>
+              </a:cxn>
+              <a:cxn ang="0">
+                <a:pos x="connsiteX2" y="connsiteY2"/>
+              </a:cxn>
+              <a:cxn ang="0">
+                <a:pos x="connsiteX3" y="connsiteY3"/>
+              </a:cxn>
+            </a:cxnLst>
+            <a:rect l="l" t="t" r="r" b="b"/>
+            <a:pathLst>
+              <a:path w="3581400" h="6858000">
+                <a:moveTo>
+                  <a:pt x="0" y="0"/>
+                </a:moveTo>
+                <a:lnTo>
+                  <a:pt x="405246" y="0"/>
+                </a:lnTo>
+                <a:lnTo>
+                  <a:pt x="3581400" y="6858000"/>
+                </a:lnTo>
+                <a:lnTo>
+                  <a:pt x="0" y="6858000"/>
+                </a:lnTo>
+                <a:close/>
+              </a:path>
+            </a:pathLst>
+          </a:custGeom>
+          <a:solidFill>
+            <a:srgbClr val="000000">
+              <a:alpha val="29804"/>
+            </a:srgbClr>
+          </a:solidFill>
+          <a:ln>
+            <a:noFill/>
+          </a:ln>
+        </p:spPr>
+        <p:style>
+          <a:lnRef idx="2">
+            <a:schemeClr val="accent1">
+              <a:shade val="50000"/>
+            </a:schemeClr>
+          </a:lnRef>
+          <a:fillRef idx="1">
+            <a:schemeClr val="accent1"/>
+          </a:fillRef>
+          <a:effectRef idx="0">
+            <a:schemeClr val="accent1"/>
+          </a:effectRef>
+          <a:fontRef idx="minor">
+            <a:schemeClr val="lt1"/>
+          </a:fontRef>
+        </p:style>
+        <p:txBody>
+          <a:bodyPr wrap="square" rtlCol="0" anchor="ctr">
+            <a:noAutofit/>
+          </a:bodyPr>
+          <a:lstStyle/>
+          <a:p>
+            <a:pPr algn="ctr"/>
+            <a:endParaRPr lang="en-US"/>
+          </a:p>
+        </p:txBody>
+      </p:sp>
+      <p:sp>
+        <p:nvSpPr>
+          <p:cNvPr id="2" name="Title 1">
+            <a:extLst>
+              <a:ext uri="{FF2B5EF4-FFF2-40B4-BE49-F238E27FC236}">
+                <a16:creationId xmlns:a16="http://schemas.microsoft.com/office/drawing/2014/main" id="{3314261E-555F-44C1-883A-0A8A3B7B76F8}"/>
+              </a:ext>
+            </a:extLst>
+          </p:cNvPr>
+          <p:cNvSpPr>
+            <a:spLocks noGrp="1"/>
+          </p:cNvSpPr>
+          <p:nvPr>
+            <p:ph type="title"/>
+          </p:nvPr>
+        </p:nvSpPr>
+        <p:spPr>
+          <a:xfrm>
+            <a:off x="833002" y="365125"/>
+            <a:ext cx="10520702" cy="1325563"/>
+          </a:xfrm>
+        </p:spPr>
+        <p:txBody>
+          <a:bodyPr>
+            <a:normAutofit/>
+          </a:bodyPr>
+          <a:lstStyle/>
+          <a:p>
+            <a:r>
+              <a:rPr lang="en-US" kern="1200" dirty="0">
                 <a:solidFill>
                   <a:srgbClr val="FFFFFF"/>
                 </a:solidFill>
@@ -5965,9 +7866,9 @@
                 <a:ea typeface="+mj-ea"/>
                 <a:cs typeface="+mj-cs"/>
               </a:rPr>
-              <a:t>Data Gathering</a:t>
-            </a:r>
-            <a:endParaRPr lang="en-US">
+              <a:t>Dataset</a:t>
+            </a:r>
+            <a:endParaRPr lang="en-US" dirty="0">
               <a:solidFill>
                 <a:srgbClr val="FFFFFF"/>
               </a:solidFill>
@@ -5993,13 +7894,13 @@
         </p:nvSpPr>
         <p:spPr>
           <a:xfrm>
-            <a:off x="838201" y="2022601"/>
-            <a:ext cx="10515598" cy="4154361"/>
+            <a:off x="241069" y="1263535"/>
+            <a:ext cx="11712633" cy="5378333"/>
           </a:xfrm>
         </p:spPr>
         <p:txBody>
           <a:bodyPr>
-            <a:normAutofit/>
+            <a:normAutofit fontScale="77500" lnSpcReduction="20000"/>
           </a:bodyPr>
           <a:lstStyle/>
           <a:p>
@@ -6020,23 +7921,219 @@
               <a:buNone/>
             </a:pPr>
             <a:r>
-              <a:rPr lang="en-US" sz="2000" b="0" i="0" dirty="0">
-                <a:solidFill>
-                  <a:srgbClr val="FFFFFF"/>
-                </a:solidFill>
-                <a:effectLst/>
-                <a:latin typeface="Inter"/>
-              </a:rPr>
-              <a:t>The dataset contains</a:t>
-            </a:r>
-            <a:r>
               <a:rPr lang="en-US" sz="2000" dirty="0">
                 <a:solidFill>
                   <a:srgbClr val="FFFFFF"/>
                 </a:solidFill>
                 <a:latin typeface="Inter"/>
               </a:rPr>
-              <a:t> ~50,000 observation and 16 features</a:t>
+              <a:t>The dataset provides ~50,000 observations and 14 input variables that are a mixture of categorical, ordinal, and numerical data types. The complete list of variables is as follows:</a:t>
+            </a:r>
+          </a:p>
+          <a:p>
+            <a:r>
+              <a:rPr lang="en-US" sz="2000" dirty="0">
+                <a:solidFill>
+                  <a:srgbClr val="FFFFFF"/>
+                </a:solidFill>
+                <a:latin typeface="Inter"/>
+              </a:rPr>
+              <a:t>Age.</a:t>
+            </a:r>
+          </a:p>
+          <a:p>
+            <a:pPr algn="l" fontAlgn="base">
+              <a:buFont typeface="Arial" panose="020B0604020202020204" pitchFamily="34" charset="0"/>
+              <a:buChar char="•"/>
+            </a:pPr>
+            <a:r>
+              <a:rPr lang="en-US" sz="2000" dirty="0">
+                <a:solidFill>
+                  <a:srgbClr val="FFFFFF"/>
+                </a:solidFill>
+                <a:latin typeface="Inter"/>
+              </a:rPr>
+              <a:t>Workclass.</a:t>
+            </a:r>
+          </a:p>
+          <a:p>
+            <a:pPr algn="l" fontAlgn="base">
+              <a:buFont typeface="Arial" panose="020B0604020202020204" pitchFamily="34" charset="0"/>
+              <a:buChar char="•"/>
+            </a:pPr>
+            <a:r>
+              <a:rPr lang="en-US" sz="2000" dirty="0">
+                <a:solidFill>
+                  <a:srgbClr val="FFFFFF"/>
+                </a:solidFill>
+                <a:latin typeface="Inter"/>
+              </a:rPr>
+              <a:t>Final Weight.</a:t>
+            </a:r>
+          </a:p>
+          <a:p>
+            <a:pPr algn="l" fontAlgn="base">
+              <a:buFont typeface="Arial" panose="020B0604020202020204" pitchFamily="34" charset="0"/>
+              <a:buChar char="•"/>
+            </a:pPr>
+            <a:r>
+              <a:rPr lang="en-US" sz="2000" dirty="0">
+                <a:solidFill>
+                  <a:srgbClr val="FFFFFF"/>
+                </a:solidFill>
+                <a:latin typeface="Inter"/>
+              </a:rPr>
+              <a:t>Education.</a:t>
+            </a:r>
+          </a:p>
+          <a:p>
+            <a:pPr algn="l" fontAlgn="base">
+              <a:buFont typeface="Arial" panose="020B0604020202020204" pitchFamily="34" charset="0"/>
+              <a:buChar char="•"/>
+            </a:pPr>
+            <a:r>
+              <a:rPr lang="en-US" sz="2000" dirty="0">
+                <a:solidFill>
+                  <a:srgbClr val="FFFFFF"/>
+                </a:solidFill>
+                <a:latin typeface="Inter"/>
+              </a:rPr>
+              <a:t>Education Number of Years.</a:t>
+            </a:r>
+          </a:p>
+          <a:p>
+            <a:pPr algn="l" fontAlgn="base">
+              <a:buFont typeface="Arial" panose="020B0604020202020204" pitchFamily="34" charset="0"/>
+              <a:buChar char="•"/>
+            </a:pPr>
+            <a:r>
+              <a:rPr lang="en-US" sz="2000" dirty="0">
+                <a:solidFill>
+                  <a:srgbClr val="FFFFFF"/>
+                </a:solidFill>
+                <a:latin typeface="Inter"/>
+              </a:rPr>
+              <a:t>Marital-status.</a:t>
+            </a:r>
+          </a:p>
+          <a:p>
+            <a:pPr algn="l" fontAlgn="base">
+              <a:buFont typeface="Arial" panose="020B0604020202020204" pitchFamily="34" charset="0"/>
+              <a:buChar char="•"/>
+            </a:pPr>
+            <a:r>
+              <a:rPr lang="en-US" sz="2000" dirty="0">
+                <a:solidFill>
+                  <a:srgbClr val="FFFFFF"/>
+                </a:solidFill>
+                <a:latin typeface="Inter"/>
+              </a:rPr>
+              <a:t>Occupation.</a:t>
+            </a:r>
+          </a:p>
+          <a:p>
+            <a:pPr algn="l" fontAlgn="base">
+              <a:buFont typeface="Arial" panose="020B0604020202020204" pitchFamily="34" charset="0"/>
+              <a:buChar char="•"/>
+            </a:pPr>
+            <a:r>
+              <a:rPr lang="en-US" sz="2000" dirty="0">
+                <a:solidFill>
+                  <a:srgbClr val="FFFFFF"/>
+                </a:solidFill>
+                <a:latin typeface="Inter"/>
+              </a:rPr>
+              <a:t>Relationship.</a:t>
+            </a:r>
+          </a:p>
+          <a:p>
+            <a:pPr algn="l" fontAlgn="base">
+              <a:buFont typeface="Arial" panose="020B0604020202020204" pitchFamily="34" charset="0"/>
+              <a:buChar char="•"/>
+            </a:pPr>
+            <a:r>
+              <a:rPr lang="en-US" sz="2000" dirty="0">
+                <a:solidFill>
+                  <a:srgbClr val="FFFFFF"/>
+                </a:solidFill>
+                <a:latin typeface="Inter"/>
+              </a:rPr>
+              <a:t>Race.</a:t>
+            </a:r>
+          </a:p>
+          <a:p>
+            <a:pPr algn="l" fontAlgn="base">
+              <a:buFont typeface="Arial" panose="020B0604020202020204" pitchFamily="34" charset="0"/>
+              <a:buChar char="•"/>
+            </a:pPr>
+            <a:r>
+              <a:rPr lang="en-US" sz="2000" dirty="0">
+                <a:solidFill>
+                  <a:srgbClr val="FFFFFF"/>
+                </a:solidFill>
+                <a:latin typeface="Inter"/>
+              </a:rPr>
+              <a:t>Sex.</a:t>
+            </a:r>
+          </a:p>
+          <a:p>
+            <a:pPr algn="l" fontAlgn="base">
+              <a:buFont typeface="Arial" panose="020B0604020202020204" pitchFamily="34" charset="0"/>
+              <a:buChar char="•"/>
+            </a:pPr>
+            <a:r>
+              <a:rPr lang="en-US" sz="2000" dirty="0">
+                <a:solidFill>
+                  <a:srgbClr val="FFFFFF"/>
+                </a:solidFill>
+                <a:latin typeface="Inter"/>
+              </a:rPr>
+              <a:t>Capital-gain.</a:t>
+            </a:r>
+          </a:p>
+          <a:p>
+            <a:pPr algn="l" fontAlgn="base">
+              <a:buFont typeface="Arial" panose="020B0604020202020204" pitchFamily="34" charset="0"/>
+              <a:buChar char="•"/>
+            </a:pPr>
+            <a:r>
+              <a:rPr lang="en-US" sz="2000" dirty="0">
+                <a:solidFill>
+                  <a:srgbClr val="FFFFFF"/>
+                </a:solidFill>
+                <a:latin typeface="Inter"/>
+              </a:rPr>
+              <a:t>Capital-loss.</a:t>
+            </a:r>
+          </a:p>
+          <a:p>
+            <a:pPr algn="l" fontAlgn="base">
+              <a:buFont typeface="Arial" panose="020B0604020202020204" pitchFamily="34" charset="0"/>
+              <a:buChar char="•"/>
+            </a:pPr>
+            <a:r>
+              <a:rPr lang="en-US" sz="2000" dirty="0">
+                <a:solidFill>
+                  <a:srgbClr val="FFFFFF"/>
+                </a:solidFill>
+                <a:latin typeface="Inter"/>
+              </a:rPr>
+              <a:t>Hours-per-week.</a:t>
+            </a:r>
+          </a:p>
+          <a:p>
+            <a:pPr algn="l" fontAlgn="base">
+              <a:buFont typeface="Arial" panose="020B0604020202020204" pitchFamily="34" charset="0"/>
+              <a:buChar char="•"/>
+            </a:pPr>
+            <a:r>
+              <a:rPr lang="en-US" sz="2000" dirty="0">
+                <a:solidFill>
+                  <a:srgbClr val="FFFFFF"/>
+                </a:solidFill>
+                <a:latin typeface="Inter"/>
+              </a:rPr>
+              <a:t>Native-country.</a:t>
             </a:r>
           </a:p>
           <a:p>
@@ -6044,20 +8141,14 @@
               <a:buNone/>
             </a:pPr>
             <a:r>
-              <a:rPr lang="en-US" sz="2000" b="0" i="0" dirty="0">
+              <a:rPr lang="en-US" sz="2000" dirty="0">
                 <a:solidFill>
                   <a:srgbClr val="FFFFFF"/>
                 </a:solidFill>
-                <a:effectLst/>
                 <a:latin typeface="Inter"/>
               </a:rPr>
               <a:t>Target filed: Income</a:t>
             </a:r>
-            <a:endParaRPr lang="en-US" sz="2000" dirty="0">
-              <a:solidFill>
-                <a:srgbClr val="FFFFFF"/>
-              </a:solidFill>
-            </a:endParaRPr>
           </a:p>
         </p:txBody>
       </p:sp>
@@ -6074,7 +8165,7 @@
 </p:sld>
 </file>
 
-<file path=ppt/slides/slide4.xml><?xml version="1.0" encoding="utf-8"?>
+<file path=ppt/slides/slide5.xml><?xml version="1.0" encoding="utf-8"?>
 <p:sld xmlns:a="http://schemas.openxmlformats.org/drawingml/2006/main" xmlns:r="http://schemas.openxmlformats.org/officeDocument/2006/relationships" xmlns:p="http://schemas.openxmlformats.org/presentationml/2006/main">
   <p:cSld>
     <p:bg>
@@ -6587,7 +8678,7 @@
                 <a:ea typeface="+mj-ea"/>
                 <a:cs typeface="+mj-cs"/>
               </a:rPr>
-              <a:t>Data Cleaning</a:t>
+              <a:t>EDA</a:t>
             </a:r>
           </a:p>
         </p:txBody>
@@ -6697,7 +8788,7 @@
 </p:sld>
 </file>
 
-<file path=ppt/slides/slide5.xml><?xml version="1.0" encoding="utf-8"?>
+<file path=ppt/slides/slide6.xml><?xml version="1.0" encoding="utf-8"?>
 <p:sld xmlns:a="http://schemas.openxmlformats.org/drawingml/2006/main" xmlns:r="http://schemas.openxmlformats.org/officeDocument/2006/relationships" xmlns:p="http://schemas.openxmlformats.org/presentationml/2006/main">
   <p:cSld>
     <p:bg>
@@ -6727,7 +8818,7 @@
       </p:grpSpPr>
       <p:sp>
         <p:nvSpPr>
-          <p:cNvPr id="26" name="Rectangle 25">
+          <p:cNvPr id="9" name="Rectangle 11">
             <a:extLst>
               <a:ext uri="{FF2B5EF4-FFF2-40B4-BE49-F238E27FC236}">
                 <a16:creationId xmlns:a16="http://schemas.microsoft.com/office/drawing/2014/main" id="{EE1FC7B4-E4A7-4452-B413-1A623E3A7230}"/>
@@ -6792,7 +8883,7 @@
       </p:sp>
       <p:sp>
         <p:nvSpPr>
-          <p:cNvPr id="28" name="Freeform 13">
+          <p:cNvPr id="10" name="Freeform 13">
             <a:extLst>
               <a:ext uri="{FF2B5EF4-FFF2-40B4-BE49-F238E27FC236}">
                 <a16:creationId xmlns:a16="http://schemas.microsoft.com/office/drawing/2014/main" id="{E0709AF0-24F0-4486-B189-BE6386BDB198}"/>
@@ -6900,7 +8991,7 @@
       </p:sp>
       <p:sp>
         <p:nvSpPr>
-          <p:cNvPr id="30" name="Freeform 11">
+          <p:cNvPr id="11" name="Freeform 11">
             <a:extLst>
               <a:ext uri="{FF2B5EF4-FFF2-40B4-BE49-F238E27FC236}">
                 <a16:creationId xmlns:a16="http://schemas.microsoft.com/office/drawing/2014/main" id="{FBE3B62F-5853-4A3C-B050-6186351A7176}"/>
@@ -7010,10 +9101,10 @@
       </p:sp>
       <p:sp>
         <p:nvSpPr>
-          <p:cNvPr id="2" name="Title 1">
-            <a:extLst>
-              <a:ext uri="{FF2B5EF4-FFF2-40B4-BE49-F238E27FC236}">
-                <a16:creationId xmlns:a16="http://schemas.microsoft.com/office/drawing/2014/main" id="{42EBDFBC-FC9C-4110-A001-9D5667330C12}"/>
+          <p:cNvPr id="4" name="Title 3">
+            <a:extLst>
+              <a:ext uri="{FF2B5EF4-FFF2-40B4-BE49-F238E27FC236}">
+                <a16:creationId xmlns:a16="http://schemas.microsoft.com/office/drawing/2014/main" id="{F6BC2F9E-ACB5-449A-9980-7B6113D60A36}"/>
               </a:ext>
             </a:extLst>
           </p:cNvPr>
@@ -7036,13 +9127,8 @@
           </a:bodyPr>
           <a:lstStyle/>
           <a:p>
-            <a:pPr>
-              <a:spcAft>
-                <a:spcPts val="0"/>
-              </a:spcAft>
-            </a:pPr>
-            <a:r>
-              <a:rPr lang="en-US" sz="2800" b="0" i="0" u="none" strike="noStrike" kern="1200" dirty="0">
+            <a:r>
+              <a:rPr lang="en-US" b="0" i="0" kern="1200">
                 <a:solidFill>
                   <a:schemeClr val="tx1"/>
                 </a:solidFill>
@@ -7051,30 +9137,9 @@
                 <a:ea typeface="+mj-ea"/>
                 <a:cs typeface="+mj-cs"/>
               </a:rPr>
-              <a:t> Data Cleaning &amp; Feature Engineering</a:t>
-            </a:r>
-            <a:br>
-              <a:rPr lang="en-US" sz="2800" b="0" kern="1200" dirty="0">
-                <a:solidFill>
-                  <a:schemeClr val="tx1"/>
-                </a:solidFill>
-                <a:effectLst/>
-                <a:latin typeface="+mj-lt"/>
-                <a:ea typeface="+mj-ea"/>
-                <a:cs typeface="+mj-cs"/>
-              </a:rPr>
-            </a:br>
-            <a:br>
-              <a:rPr lang="en-US" sz="2800" kern="1200" dirty="0">
-                <a:solidFill>
-                  <a:schemeClr val="tx1"/>
-                </a:solidFill>
-                <a:latin typeface="+mj-lt"/>
-                <a:ea typeface="+mj-ea"/>
-                <a:cs typeface="+mj-cs"/>
-              </a:rPr>
-            </a:br>
-            <a:endParaRPr lang="en-US" sz="2800" kern="1200" dirty="0">
+              <a:t>Exploratory Data Analysis</a:t>
+            </a:r>
+            <a:endParaRPr lang="en-US" kern="1200">
               <a:solidFill>
                 <a:schemeClr val="tx1"/>
               </a:solidFill>
@@ -7087,10 +9152,10 @@
       </p:sp>
       <p:sp>
         <p:nvSpPr>
-          <p:cNvPr id="11" name="Content Placeholder 10">
-            <a:extLst>
-              <a:ext uri="{FF2B5EF4-FFF2-40B4-BE49-F238E27FC236}">
-                <a16:creationId xmlns:a16="http://schemas.microsoft.com/office/drawing/2014/main" id="{42A1D9F5-930D-4E4D-A061-A9732B15050C}"/>
+          <p:cNvPr id="5" name="Content Placeholder 4">
+            <a:extLst>
+              <a:ext uri="{FF2B5EF4-FFF2-40B4-BE49-F238E27FC236}">
+                <a16:creationId xmlns:a16="http://schemas.microsoft.com/office/drawing/2014/main" id="{B74C3537-25A2-417B-9642-50C4FBAC3058}"/>
               </a:ext>
             </a:extLst>
           </p:cNvPr>
@@ -7113,31 +9178,34 @@
           </a:bodyPr>
           <a:lstStyle/>
           <a:p>
-            <a:r>
-              <a:rPr lang="en-US" sz="2000" dirty="0"/>
-              <a:t>A lot of outliers</a:t>
-            </a:r>
-          </a:p>
-          <a:p>
-            <a:r>
-              <a:rPr lang="en-US" sz="2000" dirty="0"/>
-              <a:t>Convert categorical into maps and one hot encoding</a:t>
-            </a:r>
-          </a:p>
-          <a:p>
-            <a:r>
-              <a:rPr lang="en-US" sz="2000" dirty="0"/>
-              <a:t>Dropping missing data that can’t be filled due to lack of data.</a:t>
-            </a:r>
+            <a:pPr fontAlgn="base"/>
+            <a:r>
+              <a:rPr lang="en-US" sz="2000" b="0" dirty="0">
+                <a:effectLst/>
+              </a:rPr>
+              <a:t>We can see many different distributions, some with Gaussian-like distributions, others with seemingly exponential or discrete distributions. We can also see that they all appear to have a very different scale.</a:t>
+            </a:r>
+          </a:p>
+          <a:p>
+            <a:pPr fontAlgn="base"/>
+            <a:r>
+              <a:rPr lang="en-US" sz="2000" b="0" dirty="0">
+                <a:effectLst/>
+              </a:rPr>
+              <a:t>Depending on the choice of modeling algorithms, we would expect scaling the distributions to the same range to be useful, and perhaps the use of some power transforms</a:t>
+            </a:r>
+          </a:p>
+          <a:p>
+            <a:endParaRPr lang="en-US" sz="2000" dirty="0"/>
           </a:p>
         </p:txBody>
       </p:sp>
       <p:pic>
         <p:nvPicPr>
-          <p:cNvPr id="20" name="Content Placeholder 19">
-            <a:extLst>
-              <a:ext uri="{FF2B5EF4-FFF2-40B4-BE49-F238E27FC236}">
-                <a16:creationId xmlns:a16="http://schemas.microsoft.com/office/drawing/2014/main" id="{3BD0D333-C4BF-4505-8B26-4E1D18C72D07}"/>
+          <p:cNvPr id="7" name="Content Placeholder 6">
+            <a:extLst>
+              <a:ext uri="{FF2B5EF4-FFF2-40B4-BE49-F238E27FC236}">
+                <a16:creationId xmlns:a16="http://schemas.microsoft.com/office/drawing/2014/main" id="{031A80E6-5C06-419C-8808-6CEB9F60C744}"/>
               </a:ext>
             </a:extLst>
           </p:cNvPr>
@@ -7149,15 +9217,15 @@
           </p:nvPr>
         </p:nvPicPr>
         <p:blipFill>
-          <a:blip r:embed="rId2"/>
+          <a:blip r:embed="rId3"/>
           <a:stretch>
             <a:fillRect/>
           </a:stretch>
         </p:blipFill>
         <p:spPr>
           <a:xfrm>
-            <a:off x="6417734" y="2271370"/>
-            <a:ext cx="4935970" cy="3826029"/>
+            <a:off x="6132921" y="1850558"/>
+            <a:ext cx="5653833" cy="3782978"/>
           </a:xfrm>
           <a:prstGeom prst="rect">
             <a:avLst/>
@@ -7167,7 +9235,7 @@
     </p:spTree>
     <p:extLst>
       <p:ext uri="{BB962C8B-B14F-4D97-AF65-F5344CB8AC3E}">
-        <p14:creationId xmlns:p14="http://schemas.microsoft.com/office/powerpoint/2010/main" val="1676287130"/>
+        <p14:creationId xmlns:p14="http://schemas.microsoft.com/office/powerpoint/2010/main" val="2161979842"/>
       </p:ext>
     </p:extLst>
   </p:cSld>
@@ -7177,7 +9245,7 @@
 </p:sld>
 </file>
 
-<file path=ppt/slides/slide6.xml><?xml version="1.0" encoding="utf-8"?>
+<file path=ppt/slides/slide7.xml><?xml version="1.0" encoding="utf-8"?>
 <p:sld xmlns:a="http://schemas.openxmlformats.org/drawingml/2006/main" xmlns:r="http://schemas.openxmlformats.org/officeDocument/2006/relationships" xmlns:p="http://schemas.openxmlformats.org/presentationml/2006/main">
   <p:cSld>
     <p:bg>
@@ -7207,7 +9275,7 @@
       </p:grpSpPr>
       <p:sp>
         <p:nvSpPr>
-          <p:cNvPr id="10" name="Rectangle 9">
+          <p:cNvPr id="26" name="Rectangle 25">
             <a:extLst>
               <a:ext uri="{FF2B5EF4-FFF2-40B4-BE49-F238E27FC236}">
                 <a16:creationId xmlns:a16="http://schemas.microsoft.com/office/drawing/2014/main" id="{EE1FC7B4-E4A7-4452-B413-1A623E3A7230}"/>
@@ -7272,7 +9340,7 @@
       </p:sp>
       <p:sp>
         <p:nvSpPr>
-          <p:cNvPr id="12" name="Freeform 13">
+          <p:cNvPr id="28" name="Freeform 13">
             <a:extLst>
               <a:ext uri="{FF2B5EF4-FFF2-40B4-BE49-F238E27FC236}">
                 <a16:creationId xmlns:a16="http://schemas.microsoft.com/office/drawing/2014/main" id="{E0709AF0-24F0-4486-B189-BE6386BDB198}"/>
@@ -7380,7 +9448,7 @@
       </p:sp>
       <p:sp>
         <p:nvSpPr>
-          <p:cNvPr id="14" name="Freeform 11">
+          <p:cNvPr id="30" name="Freeform 11">
             <a:extLst>
               <a:ext uri="{FF2B5EF4-FFF2-40B4-BE49-F238E27FC236}">
                 <a16:creationId xmlns:a16="http://schemas.microsoft.com/office/drawing/2014/main" id="{FBE3B62F-5853-4A3C-B050-6186351A7176}"/>
@@ -7493,7 +9561,7 @@
           <p:cNvPr id="2" name="Title 1">
             <a:extLst>
               <a:ext uri="{FF2B5EF4-FFF2-40B4-BE49-F238E27FC236}">
-                <a16:creationId xmlns:a16="http://schemas.microsoft.com/office/drawing/2014/main" id="{EEB0CDBF-3DA7-42FE-936A-4EB087FD9220}"/>
+                <a16:creationId xmlns:a16="http://schemas.microsoft.com/office/drawing/2014/main" id="{42EBDFBC-FC9C-4110-A001-9D5667330C12}"/>
               </a:ext>
             </a:extLst>
           </p:cNvPr>
@@ -7516,8 +9584,13 @@
           </a:bodyPr>
           <a:lstStyle/>
           <a:p>
-            <a:r>
-              <a:rPr lang="en-US" b="0" i="0" u="none" strike="noStrike" kern="1200" dirty="0">
+            <a:pPr>
+              <a:spcAft>
+                <a:spcPts val="0"/>
+              </a:spcAft>
+            </a:pPr>
+            <a:r>
+              <a:rPr lang="en-US" sz="2800" b="0" i="0" u="none" strike="noStrike" kern="1200" dirty="0">
                 <a:solidFill>
                   <a:schemeClr val="tx1"/>
                 </a:solidFill>
@@ -7526,9 +9599,30 @@
                 <a:ea typeface="+mj-ea"/>
                 <a:cs typeface="+mj-cs"/>
               </a:rPr>
-              <a:t>Pre-Model Fitting</a:t>
-            </a:r>
-            <a:endParaRPr lang="en-US" kern="1200" dirty="0">
+              <a:t> Data Cleaning &amp; Feature Engineering</a:t>
+            </a:r>
+            <a:br>
+              <a:rPr lang="en-US" sz="2800" b="0" kern="1200" dirty="0">
+                <a:solidFill>
+                  <a:schemeClr val="tx1"/>
+                </a:solidFill>
+                <a:effectLst/>
+                <a:latin typeface="+mj-lt"/>
+                <a:ea typeface="+mj-ea"/>
+                <a:cs typeface="+mj-cs"/>
+              </a:rPr>
+            </a:br>
+            <a:br>
+              <a:rPr lang="en-US" sz="2800" kern="1200" dirty="0">
+                <a:solidFill>
+                  <a:schemeClr val="tx1"/>
+                </a:solidFill>
+                <a:latin typeface="+mj-lt"/>
+                <a:ea typeface="+mj-ea"/>
+                <a:cs typeface="+mj-cs"/>
+              </a:rPr>
+            </a:br>
+            <a:endParaRPr lang="en-US" sz="2800" kern="1200" dirty="0">
               <a:solidFill>
                 <a:schemeClr val="tx1"/>
               </a:solidFill>
@@ -7541,10 +9635,10 @@
       </p:sp>
       <p:sp>
         <p:nvSpPr>
-          <p:cNvPr id="3" name="Content Placeholder 2">
-            <a:extLst>
-              <a:ext uri="{FF2B5EF4-FFF2-40B4-BE49-F238E27FC236}">
-                <a16:creationId xmlns:a16="http://schemas.microsoft.com/office/drawing/2014/main" id="{2672797D-2A2D-4D04-BE7E-733E53ED10C3}"/>
+          <p:cNvPr id="11" name="Content Placeholder 10">
+            <a:extLst>
+              <a:ext uri="{FF2B5EF4-FFF2-40B4-BE49-F238E27FC236}">
+                <a16:creationId xmlns:a16="http://schemas.microsoft.com/office/drawing/2014/main" id="{42A1D9F5-930D-4E4D-A061-A9732B15050C}"/>
               </a:ext>
             </a:extLst>
           </p:cNvPr>
@@ -7569,40 +9663,29 @@
           <a:p>
             <a:r>
               <a:rPr lang="en-US" sz="2000" dirty="0"/>
-              <a:t>Unbalanced data</a:t>
+              <a:t>A lot of outliers</a:t>
             </a:r>
           </a:p>
           <a:p>
             <a:r>
               <a:rPr lang="en-US" sz="2000" dirty="0"/>
-              <a:t>Used SMOTE to fill the least filled target</a:t>
+              <a:t>Convert categorical into maps and one hot encoding</a:t>
             </a:r>
           </a:p>
           <a:p>
             <a:r>
               <a:rPr lang="en-US" sz="2000" dirty="0"/>
-              <a:t>Used </a:t>
-            </a:r>
-            <a:r>
-              <a:rPr lang="en-US" sz="2000" dirty="0" err="1"/>
-              <a:t>MinMaxScaler</a:t>
-            </a:r>
-            <a:r>
-              <a:rPr lang="en-US" sz="2000" dirty="0"/>
-              <a:t> to normalize the data</a:t>
-            </a:r>
-          </a:p>
-          <a:p>
-            <a:endParaRPr lang="en-US" sz="2000" dirty="0"/>
+              <a:t>Dropping missing data that can’t be filled due to lack of data.</a:t>
+            </a:r>
           </a:p>
         </p:txBody>
       </p:sp>
       <p:pic>
         <p:nvPicPr>
-          <p:cNvPr id="5" name="Content Placeholder 4">
-            <a:extLst>
-              <a:ext uri="{FF2B5EF4-FFF2-40B4-BE49-F238E27FC236}">
-                <a16:creationId xmlns:a16="http://schemas.microsoft.com/office/drawing/2014/main" id="{64B49CC6-6662-4B51-B9CC-3EBD00C8DDD7}"/>
+          <p:cNvPr id="20" name="Content Placeholder 19">
+            <a:extLst>
+              <a:ext uri="{FF2B5EF4-FFF2-40B4-BE49-F238E27FC236}">
+                <a16:creationId xmlns:a16="http://schemas.microsoft.com/office/drawing/2014/main" id="{3BD0D333-C4BF-4505-8B26-4E1D18C72D07}"/>
               </a:ext>
             </a:extLst>
           </p:cNvPr>
@@ -7621,8 +9704,8 @@
         </p:blipFill>
         <p:spPr>
           <a:xfrm>
-            <a:off x="6765412" y="2191807"/>
-            <a:ext cx="4240614" cy="3985156"/>
+            <a:off x="6417734" y="2271370"/>
+            <a:ext cx="4935970" cy="3826029"/>
           </a:xfrm>
           <a:prstGeom prst="rect">
             <a:avLst/>
@@ -7632,538 +9715,7 @@
     </p:spTree>
     <p:extLst>
       <p:ext uri="{BB962C8B-B14F-4D97-AF65-F5344CB8AC3E}">
-        <p14:creationId xmlns:p14="http://schemas.microsoft.com/office/powerpoint/2010/main" val="1927090304"/>
-      </p:ext>
-    </p:extLst>
-  </p:cSld>
-  <p:clrMapOvr>
-    <a:overrideClrMapping bg1="dk1" tx1="lt1" bg2="dk2" tx2="lt2" accent1="accent1" accent2="accent2" accent3="accent3" accent4="accent4" accent5="accent5" accent6="accent6" hlink="hlink" folHlink="folHlink"/>
-  </p:clrMapOvr>
-</p:sld>
-</file>
-
-<file path=ppt/slides/slide7.xml><?xml version="1.0" encoding="utf-8"?>
-<p:sld xmlns:a="http://schemas.openxmlformats.org/drawingml/2006/main" xmlns:r="http://schemas.openxmlformats.org/officeDocument/2006/relationships" xmlns:p="http://schemas.openxmlformats.org/presentationml/2006/main">
-  <p:cSld>
-    <p:bg>
-      <p:bgPr>
-        <a:solidFill>
-          <a:schemeClr val="accent3">
-            <a:lumMod val="75000"/>
-          </a:schemeClr>
-        </a:solidFill>
-        <a:effectLst/>
-      </p:bgPr>
-    </p:bg>
-    <p:spTree>
-      <p:nvGrpSpPr>
-        <p:cNvPr id="1" name=""/>
-        <p:cNvGrpSpPr/>
-        <p:nvPr/>
-      </p:nvGrpSpPr>
-      <p:grpSpPr>
-        <a:xfrm>
-          <a:off x="0" y="0"/>
-          <a:ext cx="0" cy="0"/>
-          <a:chOff x="0" y="0"/>
-          <a:chExt cx="0" cy="0"/>
-        </a:xfrm>
-      </p:grpSpPr>
-      <p:sp>
-        <p:nvSpPr>
-          <p:cNvPr id="7" name="Rectangle 6">
-            <a:extLst>
-              <a:ext uri="{FF2B5EF4-FFF2-40B4-BE49-F238E27FC236}">
-                <a16:creationId xmlns:a16="http://schemas.microsoft.com/office/drawing/2014/main" id="{DA3C47C2-33A2-44B2-BEAB-FEB679075C24}"/>
-              </a:ext>
-              <a:ext uri="{C183D7F6-B498-43B3-948B-1728B52AA6E4}">
-                <adec:decorative xmlns:adec="http://schemas.microsoft.com/office/drawing/2017/decorative" val="1"/>
-              </a:ext>
-            </a:extLst>
-          </p:cNvPr>
-          <p:cNvSpPr>
-            <a:spLocks noGrp="1" noRot="1" noChangeAspect="1" noMove="1" noResize="1" noEditPoints="1" noAdjustHandles="1" noChangeArrowheads="1" noChangeShapeType="1" noTextEdit="1"/>
-          </p:cNvSpPr>
-          <p:nvPr>
-            <p:extLst>
-              <p:ext uri="{386F3935-93C4-4BCD-93E2-E3B085C9AB24}">
-                <p16:designElem xmlns:p16="http://schemas.microsoft.com/office/powerpoint/2015/main" val="1"/>
-              </p:ext>
-            </p:extLst>
-          </p:nvPr>
-        </p:nvSpPr>
-        <p:spPr>
-          <a:xfrm flipV="1">
-            <a:off x="0" y="-3324"/>
-            <a:ext cx="12192000" cy="6861324"/>
-          </a:xfrm>
-          <a:prstGeom prst="rect">
-            <a:avLst/>
-          </a:prstGeom>
-          <a:solidFill>
-            <a:srgbClr val="7F7F7F"/>
-          </a:solidFill>
-          <a:ln>
-            <a:noFill/>
-          </a:ln>
-        </p:spPr>
-        <p:style>
-          <a:lnRef idx="2">
-            <a:schemeClr val="accent1">
-              <a:shade val="50000"/>
-            </a:schemeClr>
-          </a:lnRef>
-          <a:fillRef idx="1">
-            <a:schemeClr val="accent1"/>
-          </a:fillRef>
-          <a:effectRef idx="0">
-            <a:schemeClr val="accent1"/>
-          </a:effectRef>
-          <a:fontRef idx="minor">
-            <a:schemeClr val="lt1"/>
-          </a:fontRef>
-        </p:style>
-        <p:txBody>
-          <a:bodyPr rtlCol="0" anchor="ctr"/>
-          <a:lstStyle/>
-          <a:p>
-            <a:pPr marL="0" marR="0" lvl="0" indent="0" algn="ctr" defTabSz="914400" rtl="0" eaLnBrk="1" fontAlgn="auto" latinLnBrk="0" hangingPunct="1">
-              <a:lnSpc>
-                <a:spcPct val="100000"/>
-              </a:lnSpc>
-              <a:spcBef>
-                <a:spcPts val="0"/>
-              </a:spcBef>
-              <a:spcAft>
-                <a:spcPts val="0"/>
-              </a:spcAft>
-              <a:buClrTx/>
-              <a:buSzTx/>
-              <a:buFontTx/>
-              <a:buNone/>
-              <a:tabLst/>
-              <a:defRPr/>
-            </a:pPr>
-            <a:endParaRPr kumimoji="0" lang="en-US" sz="1800" b="0" i="0" u="none" strike="noStrike" kern="1200" cap="none" spc="0" normalizeH="0" baseline="0" noProof="0">
-              <a:ln>
-                <a:noFill/>
-              </a:ln>
-              <a:solidFill>
-                <a:prstClr val="white"/>
-              </a:solidFill>
-              <a:effectLst/>
-              <a:uLnTx/>
-              <a:uFillTx/>
-              <a:latin typeface="Calibri" panose="020F0502020204030204"/>
-              <a:ea typeface="+mn-ea"/>
-              <a:cs typeface="+mn-cs"/>
-            </a:endParaRPr>
-          </a:p>
-        </p:txBody>
-      </p:sp>
-      <p:sp>
-        <p:nvSpPr>
-          <p:cNvPr id="9" name="Freeform 3">
-            <a:extLst>
-              <a:ext uri="{FF2B5EF4-FFF2-40B4-BE49-F238E27FC236}">
-                <a16:creationId xmlns:a16="http://schemas.microsoft.com/office/drawing/2014/main" id="{AD182BA8-54AD-4D9F-8264-B0FA8BB47D7C}"/>
-              </a:ext>
-              <a:ext uri="{C183D7F6-B498-43B3-948B-1728B52AA6E4}">
-                <adec:decorative xmlns:adec="http://schemas.microsoft.com/office/drawing/2017/decorative" val="1"/>
-              </a:ext>
-            </a:extLst>
-          </p:cNvPr>
-          <p:cNvSpPr>
-            <a:spLocks noGrp="1" noRot="1" noChangeAspect="1" noMove="1" noResize="1" noEditPoints="1" noAdjustHandles="1" noChangeArrowheads="1" noChangeShapeType="1" noTextEdit="1"/>
-          </p:cNvSpPr>
-          <p:nvPr>
-            <p:extLst>
-              <p:ext uri="{386F3935-93C4-4BCD-93E2-E3B085C9AB24}">
-                <p16:designElem xmlns:p16="http://schemas.microsoft.com/office/powerpoint/2015/main" val="1"/>
-              </p:ext>
-            </p:extLst>
-          </p:nvPr>
-        </p:nvSpPr>
-        <p:spPr>
-          <a:xfrm flipV="1">
-            <a:off x="1246925" y="-479"/>
-            <a:ext cx="9468701" cy="6858478"/>
-          </a:xfrm>
-          <a:custGeom>
-            <a:avLst/>
-            <a:gdLst>
-              <a:gd name="connsiteX0" fmla="*/ 0 w 8078051"/>
-              <a:gd name="connsiteY0" fmla="*/ 0 h 5829300"/>
-              <a:gd name="connsiteX1" fmla="*/ 4453793 w 8078051"/>
-              <a:gd name="connsiteY1" fmla="*/ 0 h 5829300"/>
-              <a:gd name="connsiteX2" fmla="*/ 5363426 w 8078051"/>
-              <a:gd name="connsiteY2" fmla="*/ 0 h 5829300"/>
-              <a:gd name="connsiteX3" fmla="*/ 5368184 w 8078051"/>
-              <a:gd name="connsiteY3" fmla="*/ 0 h 5829300"/>
-              <a:gd name="connsiteX4" fmla="*/ 8078051 w 8078051"/>
-              <a:gd name="connsiteY4" fmla="*/ 5829300 h 5829300"/>
-              <a:gd name="connsiteX5" fmla="*/ 1743926 w 8078051"/>
-              <a:gd name="connsiteY5" fmla="*/ 5829300 h 5829300"/>
-              <a:gd name="connsiteX6" fmla="*/ 1744148 w 8078051"/>
-              <a:gd name="connsiteY6" fmla="*/ 5828822 h 5829300"/>
-              <a:gd name="connsiteX7" fmla="*/ 0 w 8078051"/>
-              <a:gd name="connsiteY7" fmla="*/ 5828822 h 5829300"/>
-            </a:gdLst>
-            <a:ahLst/>
-            <a:cxnLst>
-              <a:cxn ang="0">
-                <a:pos x="connsiteX0" y="connsiteY0"/>
-              </a:cxn>
-              <a:cxn ang="0">
-                <a:pos x="connsiteX1" y="connsiteY1"/>
-              </a:cxn>
-              <a:cxn ang="0">
-                <a:pos x="connsiteX2" y="connsiteY2"/>
-              </a:cxn>
-              <a:cxn ang="0">
-                <a:pos x="connsiteX3" y="connsiteY3"/>
-              </a:cxn>
-              <a:cxn ang="0">
-                <a:pos x="connsiteX4" y="connsiteY4"/>
-              </a:cxn>
-              <a:cxn ang="0">
-                <a:pos x="connsiteX5" y="connsiteY5"/>
-              </a:cxn>
-              <a:cxn ang="0">
-                <a:pos x="connsiteX6" y="connsiteY6"/>
-              </a:cxn>
-              <a:cxn ang="0">
-                <a:pos x="connsiteX7" y="connsiteY7"/>
-              </a:cxn>
-            </a:cxnLst>
-            <a:rect l="l" t="t" r="r" b="b"/>
-            <a:pathLst>
-              <a:path w="8078051" h="5829300">
-                <a:moveTo>
-                  <a:pt x="0" y="0"/>
-                </a:moveTo>
-                <a:lnTo>
-                  <a:pt x="4453793" y="0"/>
-                </a:lnTo>
-                <a:lnTo>
-                  <a:pt x="5363426" y="0"/>
-                </a:lnTo>
-                <a:lnTo>
-                  <a:pt x="5368184" y="0"/>
-                </a:lnTo>
-                <a:lnTo>
-                  <a:pt x="8078051" y="5829300"/>
-                </a:lnTo>
-                <a:lnTo>
-                  <a:pt x="1743926" y="5829300"/>
-                </a:lnTo>
-                <a:lnTo>
-                  <a:pt x="1744148" y="5828822"/>
-                </a:lnTo>
-                <a:lnTo>
-                  <a:pt x="0" y="5828822"/>
-                </a:lnTo>
-                <a:close/>
-              </a:path>
-            </a:pathLst>
-          </a:custGeom>
-          <a:solidFill>
-            <a:schemeClr val="bg1">
-              <a:lumMod val="85000"/>
-              <a:lumOff val="15000"/>
-              <a:alpha val="70000"/>
-            </a:schemeClr>
-          </a:solidFill>
-          <a:ln>
-            <a:noFill/>
-          </a:ln>
-        </p:spPr>
-        <p:style>
-          <a:lnRef idx="2">
-            <a:schemeClr val="accent1">
-              <a:shade val="50000"/>
-            </a:schemeClr>
-          </a:lnRef>
-          <a:fillRef idx="1">
-            <a:schemeClr val="accent1"/>
-          </a:fillRef>
-          <a:effectRef idx="0">
-            <a:schemeClr val="accent1"/>
-          </a:effectRef>
-          <a:fontRef idx="minor">
-            <a:schemeClr val="lt1"/>
-          </a:fontRef>
-        </p:style>
-        <p:txBody>
-          <a:bodyPr rtlCol="0" anchor="ctr"/>
-          <a:lstStyle/>
-          <a:p>
-            <a:pPr marL="0" marR="0" lvl="0" indent="0" algn="ctr" defTabSz="914400" rtl="0" eaLnBrk="1" fontAlgn="auto" latinLnBrk="0" hangingPunct="1">
-              <a:lnSpc>
-                <a:spcPct val="100000"/>
-              </a:lnSpc>
-              <a:spcBef>
-                <a:spcPts val="0"/>
-              </a:spcBef>
-              <a:spcAft>
-                <a:spcPts val="0"/>
-              </a:spcAft>
-              <a:buClrTx/>
-              <a:buSzTx/>
-              <a:buFontTx/>
-              <a:buNone/>
-              <a:tabLst/>
-              <a:defRPr/>
-            </a:pPr>
-            <a:endParaRPr kumimoji="0" lang="en-US" sz="1800" b="0" i="0" u="none" strike="noStrike" kern="1200" cap="none" spc="0" normalizeH="0" baseline="0" noProof="0">
-              <a:ln>
-                <a:noFill/>
-              </a:ln>
-              <a:solidFill>
-                <a:prstClr val="white"/>
-              </a:solidFill>
-              <a:effectLst/>
-              <a:uLnTx/>
-              <a:uFillTx/>
-              <a:latin typeface="Calibri" panose="020F0502020204030204"/>
-              <a:ea typeface="+mn-ea"/>
-              <a:cs typeface="+mn-cs"/>
-            </a:endParaRPr>
-          </a:p>
-        </p:txBody>
-      </p:sp>
-      <p:sp>
-        <p:nvSpPr>
-          <p:cNvPr id="11" name="Freeform 16">
-            <a:extLst>
-              <a:ext uri="{FF2B5EF4-FFF2-40B4-BE49-F238E27FC236}">
-                <a16:creationId xmlns:a16="http://schemas.microsoft.com/office/drawing/2014/main" id="{4ED83379-0499-45E1-AB78-6AA230F96442}"/>
-              </a:ext>
-              <a:ext uri="{C183D7F6-B498-43B3-948B-1728B52AA6E4}">
-                <adec:decorative xmlns:adec="http://schemas.microsoft.com/office/drawing/2017/decorative" val="1"/>
-              </a:ext>
-            </a:extLst>
-          </p:cNvPr>
-          <p:cNvSpPr>
-            <a:spLocks noGrp="1" noRot="1" noChangeAspect="1" noMove="1" noResize="1" noEditPoints="1" noAdjustHandles="1" noChangeArrowheads="1" noChangeShapeType="1" noTextEdit="1"/>
-          </p:cNvSpPr>
-          <p:nvPr>
-            <p:extLst>
-              <p:ext uri="{386F3935-93C4-4BCD-93E2-E3B085C9AB24}">
-                <p16:designElem xmlns:p16="http://schemas.microsoft.com/office/powerpoint/2015/main" val="1"/>
-              </p:ext>
-            </p:extLst>
-          </p:nvPr>
-        </p:nvSpPr>
-        <p:spPr>
-          <a:xfrm flipV="1">
-            <a:off x="-1" y="-479"/>
-            <a:ext cx="9324977" cy="6858479"/>
-          </a:xfrm>
-          <a:custGeom>
-            <a:avLst/>
-            <a:gdLst>
-              <a:gd name="connsiteX0" fmla="*/ 1246925 w 9324977"/>
-              <a:gd name="connsiteY0" fmla="*/ 0 h 6858479"/>
-              <a:gd name="connsiteX1" fmla="*/ 5076797 w 9324977"/>
-              <a:gd name="connsiteY1" fmla="*/ 0 h 6858479"/>
-              <a:gd name="connsiteX2" fmla="*/ 6143025 w 9324977"/>
-              <a:gd name="connsiteY2" fmla="*/ 0 h 6858479"/>
-              <a:gd name="connsiteX3" fmla="*/ 6148602 w 9324977"/>
-              <a:gd name="connsiteY3" fmla="*/ 0 h 6858479"/>
-              <a:gd name="connsiteX4" fmla="*/ 9324977 w 9324977"/>
-              <a:gd name="connsiteY4" fmla="*/ 6858478 h 6858479"/>
-              <a:gd name="connsiteX5" fmla="*/ 3359025 w 9324977"/>
-              <a:gd name="connsiteY5" fmla="*/ 6858478 h 6858479"/>
-              <a:gd name="connsiteX6" fmla="*/ 3359025 w 9324977"/>
-              <a:gd name="connsiteY6" fmla="*/ 6858479 h 6858479"/>
-              <a:gd name="connsiteX7" fmla="*/ 0 w 9324977"/>
-              <a:gd name="connsiteY7" fmla="*/ 6858479 h 6858479"/>
-              <a:gd name="connsiteX8" fmla="*/ 0 w 9324977"/>
-              <a:gd name="connsiteY8" fmla="*/ 479 h 6858479"/>
-              <a:gd name="connsiteX9" fmla="*/ 1246925 w 9324977"/>
-              <a:gd name="connsiteY9" fmla="*/ 479 h 6858479"/>
-            </a:gdLst>
-            <a:ahLst/>
-            <a:cxnLst>
-              <a:cxn ang="0">
-                <a:pos x="connsiteX0" y="connsiteY0"/>
-              </a:cxn>
-              <a:cxn ang="0">
-                <a:pos x="connsiteX1" y="connsiteY1"/>
-              </a:cxn>
-              <a:cxn ang="0">
-                <a:pos x="connsiteX2" y="connsiteY2"/>
-              </a:cxn>
-              <a:cxn ang="0">
-                <a:pos x="connsiteX3" y="connsiteY3"/>
-              </a:cxn>
-              <a:cxn ang="0">
-                <a:pos x="connsiteX4" y="connsiteY4"/>
-              </a:cxn>
-              <a:cxn ang="0">
-                <a:pos x="connsiteX5" y="connsiteY5"/>
-              </a:cxn>
-              <a:cxn ang="0">
-                <a:pos x="connsiteX6" y="connsiteY6"/>
-              </a:cxn>
-              <a:cxn ang="0">
-                <a:pos x="connsiteX7" y="connsiteY7"/>
-              </a:cxn>
-              <a:cxn ang="0">
-                <a:pos x="connsiteX8" y="connsiteY8"/>
-              </a:cxn>
-              <a:cxn ang="0">
-                <a:pos x="connsiteX9" y="connsiteY9"/>
-              </a:cxn>
-            </a:cxnLst>
-            <a:rect l="l" t="t" r="r" b="b"/>
-            <a:pathLst>
-              <a:path w="9324977" h="6858479">
-                <a:moveTo>
-                  <a:pt x="1246925" y="0"/>
-                </a:moveTo>
-                <a:lnTo>
-                  <a:pt x="5076797" y="0"/>
-                </a:lnTo>
-                <a:lnTo>
-                  <a:pt x="6143025" y="0"/>
-                </a:lnTo>
-                <a:lnTo>
-                  <a:pt x="6148602" y="0"/>
-                </a:lnTo>
-                <a:lnTo>
-                  <a:pt x="9324977" y="6858478"/>
-                </a:lnTo>
-                <a:lnTo>
-                  <a:pt x="3359025" y="6858478"/>
-                </a:lnTo>
-                <a:lnTo>
-                  <a:pt x="3359025" y="6858479"/>
-                </a:lnTo>
-                <a:lnTo>
-                  <a:pt x="0" y="6858479"/>
-                </a:lnTo>
-                <a:lnTo>
-                  <a:pt x="0" y="479"/>
-                </a:lnTo>
-                <a:lnTo>
-                  <a:pt x="1246925" y="479"/>
-                </a:lnTo>
-                <a:close/>
-              </a:path>
-            </a:pathLst>
-          </a:custGeom>
-          <a:solidFill>
-            <a:schemeClr val="bg1">
-              <a:lumMod val="85000"/>
-              <a:lumOff val="15000"/>
-            </a:schemeClr>
-          </a:solidFill>
-          <a:ln>
-            <a:noFill/>
-          </a:ln>
-        </p:spPr>
-        <p:style>
-          <a:lnRef idx="2">
-            <a:schemeClr val="accent1">
-              <a:shade val="50000"/>
-            </a:schemeClr>
-          </a:lnRef>
-          <a:fillRef idx="1">
-            <a:schemeClr val="accent1"/>
-          </a:fillRef>
-          <a:effectRef idx="0">
-            <a:schemeClr val="accent1"/>
-          </a:effectRef>
-          <a:fontRef idx="minor">
-            <a:schemeClr val="lt1"/>
-          </a:fontRef>
-        </p:style>
-        <p:txBody>
-          <a:bodyPr rtlCol="0" anchor="ctr"/>
-          <a:lstStyle/>
-          <a:p>
-            <a:pPr marL="0" marR="0" lvl="0" indent="0" algn="ctr" defTabSz="914400" rtl="0" eaLnBrk="1" fontAlgn="auto" latinLnBrk="0" hangingPunct="1">
-              <a:lnSpc>
-                <a:spcPct val="100000"/>
-              </a:lnSpc>
-              <a:spcBef>
-                <a:spcPts val="0"/>
-              </a:spcBef>
-              <a:spcAft>
-                <a:spcPts val="0"/>
-              </a:spcAft>
-              <a:buClrTx/>
-              <a:buSzTx/>
-              <a:buFontTx/>
-              <a:buNone/>
-              <a:tabLst/>
-              <a:defRPr/>
-            </a:pPr>
-            <a:endParaRPr kumimoji="0" lang="en-US" sz="1800" b="0" i="0" u="none" strike="noStrike" kern="1200" cap="none" spc="0" normalizeH="0" baseline="0" noProof="0">
-              <a:ln>
-                <a:noFill/>
-              </a:ln>
-              <a:solidFill>
-                <a:prstClr val="white"/>
-              </a:solidFill>
-              <a:effectLst/>
-              <a:uLnTx/>
-              <a:uFillTx/>
-              <a:latin typeface="Calibri" panose="020F0502020204030204"/>
-              <a:ea typeface="+mn-ea"/>
-              <a:cs typeface="+mn-cs"/>
-            </a:endParaRPr>
-          </a:p>
-        </p:txBody>
-      </p:sp>
-      <p:sp>
-        <p:nvSpPr>
-          <p:cNvPr id="2" name="Title 1">
-            <a:extLst>
-              <a:ext uri="{FF2B5EF4-FFF2-40B4-BE49-F238E27FC236}">
-                <a16:creationId xmlns:a16="http://schemas.microsoft.com/office/drawing/2014/main" id="{C34F0E58-219F-4D60-89B2-4696C876FFCE}"/>
-              </a:ext>
-            </a:extLst>
-          </p:cNvPr>
-          <p:cNvSpPr>
-            <a:spLocks noGrp="1"/>
-          </p:cNvSpPr>
-          <p:nvPr>
-            <p:ph type="title"/>
-          </p:nvPr>
-        </p:nvSpPr>
-        <p:spPr>
-          <a:xfrm>
-            <a:off x="804672" y="962246"/>
-            <a:ext cx="6437700" cy="2611967"/>
-          </a:xfrm>
-        </p:spPr>
-        <p:txBody>
-          <a:bodyPr vert="horz" lIns="91440" tIns="45720" rIns="91440" bIns="45720" rtlCol="0" anchor="b">
-            <a:normAutofit/>
-          </a:bodyPr>
-          <a:lstStyle/>
-          <a:p>
-            <a:r>
-              <a:rPr lang="en-US" sz="5400" kern="1200" dirty="0">
-                <a:solidFill>
-                  <a:schemeClr val="tx1"/>
-                </a:solidFill>
-                <a:latin typeface="+mj-lt"/>
-                <a:ea typeface="+mj-ea"/>
-                <a:cs typeface="+mj-cs"/>
-              </a:rPr>
-              <a:t>Models</a:t>
-            </a:r>
-          </a:p>
-        </p:txBody>
-      </p:sp>
-    </p:spTree>
-    <p:extLst>
-      <p:ext uri="{BB962C8B-B14F-4D97-AF65-F5344CB8AC3E}">
-        <p14:creationId xmlns:p14="http://schemas.microsoft.com/office/powerpoint/2010/main" val="2665581420"/>
+        <p14:creationId xmlns:p14="http://schemas.microsoft.com/office/powerpoint/2010/main" val="1676287130"/>
       </p:ext>
     </p:extLst>
   </p:cSld>
@@ -8203,7 +9755,7 @@
       </p:grpSpPr>
       <p:sp>
         <p:nvSpPr>
-          <p:cNvPr id="17" name="Rectangle 16">
+          <p:cNvPr id="10" name="Rectangle 9">
             <a:extLst>
               <a:ext uri="{FF2B5EF4-FFF2-40B4-BE49-F238E27FC236}">
                 <a16:creationId xmlns:a16="http://schemas.microsoft.com/office/drawing/2014/main" id="{EE1FC7B4-E4A7-4452-B413-1A623E3A7230}"/>
@@ -8268,7 +9820,7 @@
       </p:sp>
       <p:sp>
         <p:nvSpPr>
-          <p:cNvPr id="19" name="Freeform 13">
+          <p:cNvPr id="12" name="Freeform 13">
             <a:extLst>
               <a:ext uri="{FF2B5EF4-FFF2-40B4-BE49-F238E27FC236}">
                 <a16:creationId xmlns:a16="http://schemas.microsoft.com/office/drawing/2014/main" id="{E0709AF0-24F0-4486-B189-BE6386BDB198}"/>
@@ -8376,7 +9928,7 @@
       </p:sp>
       <p:sp>
         <p:nvSpPr>
-          <p:cNvPr id="21" name="Freeform 11">
+          <p:cNvPr id="14" name="Freeform 11">
             <a:extLst>
               <a:ext uri="{FF2B5EF4-FFF2-40B4-BE49-F238E27FC236}">
                 <a16:creationId xmlns:a16="http://schemas.microsoft.com/office/drawing/2014/main" id="{FBE3B62F-5853-4A3C-B050-6186351A7176}"/>
@@ -8486,10 +10038,10 @@
       </p:sp>
       <p:sp>
         <p:nvSpPr>
-          <p:cNvPr id="8" name="Title 7">
-            <a:extLst>
-              <a:ext uri="{FF2B5EF4-FFF2-40B4-BE49-F238E27FC236}">
-                <a16:creationId xmlns:a16="http://schemas.microsoft.com/office/drawing/2014/main" id="{F25BE67D-37E3-49F3-8251-4AD1F41F7613}"/>
+          <p:cNvPr id="2" name="Title 1">
+            <a:extLst>
+              <a:ext uri="{FF2B5EF4-FFF2-40B4-BE49-F238E27FC236}">
+                <a16:creationId xmlns:a16="http://schemas.microsoft.com/office/drawing/2014/main" id="{EEB0CDBF-3DA7-42FE-936A-4EB087FD9220}"/>
               </a:ext>
             </a:extLst>
           </p:cNvPr>
@@ -8513,46 +10065,92 @@
           <a:lstStyle/>
           <a:p>
             <a:r>
-              <a:rPr lang="en-US" sz="4400" kern="1200" dirty="0">
+              <a:rPr lang="en-US" b="0" i="0" u="none" strike="noStrike" kern="1200" dirty="0">
                 <a:solidFill>
                   <a:schemeClr val="tx1"/>
                 </a:solidFill>
+                <a:effectLst/>
                 <a:latin typeface="+mj-lt"/>
                 <a:ea typeface="+mj-ea"/>
                 <a:cs typeface="+mj-cs"/>
               </a:rPr>
-              <a:t>Logistic Regression</a:t>
-            </a:r>
-            <a:br>
-              <a:rPr lang="en-US" sz="4400" kern="1200" dirty="0">
-                <a:solidFill>
-                  <a:schemeClr val="tx1"/>
-                </a:solidFill>
-                <a:latin typeface="+mj-lt"/>
-                <a:ea typeface="+mj-ea"/>
-                <a:cs typeface="+mj-cs"/>
-              </a:rPr>
-            </a:br>
-            <a:r>
-              <a:rPr lang="en-US" sz="4400" kern="1200" dirty="0">
-                <a:solidFill>
-                  <a:schemeClr val="tx1"/>
-                </a:solidFill>
-                <a:latin typeface="+mj-lt"/>
-                <a:ea typeface="+mj-ea"/>
-                <a:cs typeface="+mj-cs"/>
-              </a:rPr>
-              <a:t>Decision Tree</a:t>
-            </a:r>
+              <a:t>Pre-Model Fitting</a:t>
+            </a:r>
+            <a:endParaRPr lang="en-US" kern="1200" dirty="0">
+              <a:solidFill>
+                <a:schemeClr val="tx1"/>
+              </a:solidFill>
+              <a:latin typeface="+mj-lt"/>
+              <a:ea typeface="+mj-ea"/>
+              <a:cs typeface="+mj-cs"/>
+            </a:endParaRPr>
+          </a:p>
+        </p:txBody>
+      </p:sp>
+      <p:sp>
+        <p:nvSpPr>
+          <p:cNvPr id="3" name="Content Placeholder 2">
+            <a:extLst>
+              <a:ext uri="{FF2B5EF4-FFF2-40B4-BE49-F238E27FC236}">
+                <a16:creationId xmlns:a16="http://schemas.microsoft.com/office/drawing/2014/main" id="{2672797D-2A2D-4D04-BE7E-733E53ED10C3}"/>
+              </a:ext>
+            </a:extLst>
+          </p:cNvPr>
+          <p:cNvSpPr>
+            <a:spLocks noGrp="1"/>
+          </p:cNvSpPr>
+          <p:nvPr>
+            <p:ph sz="half" idx="1"/>
+          </p:nvPr>
+        </p:nvSpPr>
+        <p:spPr>
+          <a:xfrm>
+            <a:off x="838200" y="2191807"/>
+            <a:ext cx="4936067" cy="3985155"/>
+          </a:xfrm>
+        </p:spPr>
+        <p:txBody>
+          <a:bodyPr vert="horz" lIns="91440" tIns="45720" rIns="91440" bIns="45720" rtlCol="0">
+            <a:normAutofit/>
+          </a:bodyPr>
+          <a:lstStyle/>
+          <a:p>
+            <a:r>
+              <a:rPr lang="en-US" sz="2000" dirty="0"/>
+              <a:t>Unbalanced data</a:t>
+            </a:r>
+          </a:p>
+          <a:p>
+            <a:r>
+              <a:rPr lang="en-US" sz="2000" dirty="0"/>
+              <a:t>Used SMOTE to fill the least filled target</a:t>
+            </a:r>
+          </a:p>
+          <a:p>
+            <a:r>
+              <a:rPr lang="en-US" sz="2000" dirty="0"/>
+              <a:t>Used </a:t>
+            </a:r>
+            <a:r>
+              <a:rPr lang="en-US" sz="2000" dirty="0" err="1"/>
+              <a:t>MinMaxScaler</a:t>
+            </a:r>
+            <a:r>
+              <a:rPr lang="en-US" sz="2000" dirty="0"/>
+              <a:t> to normalize the data</a:t>
+            </a:r>
+          </a:p>
+          <a:p>
+            <a:endParaRPr lang="en-US" sz="2000" dirty="0"/>
           </a:p>
         </p:txBody>
       </p:sp>
       <p:pic>
         <p:nvPicPr>
-          <p:cNvPr id="16" name="Content Placeholder 15">
-            <a:extLst>
-              <a:ext uri="{FF2B5EF4-FFF2-40B4-BE49-F238E27FC236}">
-                <a16:creationId xmlns:a16="http://schemas.microsoft.com/office/drawing/2014/main" id="{1E5188CF-74F1-489E-AA40-36F6304570BD}"/>
+          <p:cNvPr id="5" name="Content Placeholder 4">
+            <a:extLst>
+              <a:ext uri="{FF2B5EF4-FFF2-40B4-BE49-F238E27FC236}">
+                <a16:creationId xmlns:a16="http://schemas.microsoft.com/office/drawing/2014/main" id="{64B49CC6-6662-4B51-B9CC-3EBD00C8DDD7}"/>
               </a:ext>
             </a:extLst>
           </p:cNvPr>
@@ -8571,37 +10169,8 @@
         </p:blipFill>
         <p:spPr>
           <a:xfrm>
-            <a:off x="6232918" y="1773816"/>
-            <a:ext cx="4431972" cy="5082366"/>
-          </a:xfrm>
-        </p:spPr>
-      </p:pic>
-      <p:pic>
-        <p:nvPicPr>
-          <p:cNvPr id="18" name="Content Placeholder 6">
-            <a:extLst>
-              <a:ext uri="{FF2B5EF4-FFF2-40B4-BE49-F238E27FC236}">
-                <a16:creationId xmlns:a16="http://schemas.microsoft.com/office/drawing/2014/main" id="{87E1EB10-D33C-43AD-99C9-7397D5B95285}"/>
-              </a:ext>
-            </a:extLst>
-          </p:cNvPr>
-          <p:cNvPicPr>
-            <a:picLocks noGrp="1" noChangeAspect="1"/>
-          </p:cNvPicPr>
-          <p:nvPr>
-            <p:ph sz="half" idx="1"/>
-          </p:nvPr>
-        </p:nvPicPr>
-        <p:blipFill>
-          <a:blip r:embed="rId3"/>
-          <a:stretch>
-            <a:fillRect/>
-          </a:stretch>
-        </p:blipFill>
-        <p:spPr>
-          <a:xfrm>
-            <a:off x="833292" y="1773816"/>
-            <a:ext cx="5399626" cy="5084184"/>
+            <a:off x="6765412" y="2191807"/>
+            <a:ext cx="4240614" cy="3985156"/>
           </a:xfrm>
           <a:prstGeom prst="rect">
             <a:avLst/>
@@ -8611,7 +10180,7 @@
     </p:spTree>
     <p:extLst>
       <p:ext uri="{BB962C8B-B14F-4D97-AF65-F5344CB8AC3E}">
-        <p14:creationId xmlns:p14="http://schemas.microsoft.com/office/powerpoint/2010/main" val="2532279573"/>
+        <p14:creationId xmlns:p14="http://schemas.microsoft.com/office/powerpoint/2010/main" val="1927090304"/>
       </p:ext>
     </p:extLst>
   </p:cSld>
@@ -8651,7 +10220,7 @@
       </p:grpSpPr>
       <p:sp>
         <p:nvSpPr>
-          <p:cNvPr id="22" name="Rectangle 21">
+          <p:cNvPr id="20" name="Rectangle 19">
             <a:extLst>
               <a:ext uri="{FF2B5EF4-FFF2-40B4-BE49-F238E27FC236}">
                 <a16:creationId xmlns:a16="http://schemas.microsoft.com/office/drawing/2014/main" id="{EE1FC7B4-E4A7-4452-B413-1A623E3A7230}"/>
@@ -8716,7 +10285,7 @@
       </p:sp>
       <p:sp>
         <p:nvSpPr>
-          <p:cNvPr id="24" name="Freeform 13">
+          <p:cNvPr id="22" name="Freeform 13">
             <a:extLst>
               <a:ext uri="{FF2B5EF4-FFF2-40B4-BE49-F238E27FC236}">
                 <a16:creationId xmlns:a16="http://schemas.microsoft.com/office/drawing/2014/main" id="{E0709AF0-24F0-4486-B189-BE6386BDB198}"/>
@@ -8824,7 +10393,7 @@
       </p:sp>
       <p:sp>
         <p:nvSpPr>
-          <p:cNvPr id="26" name="Freeform 11">
+          <p:cNvPr id="24" name="Freeform 11">
             <a:extLst>
               <a:ext uri="{FF2B5EF4-FFF2-40B4-BE49-F238E27FC236}">
                 <a16:creationId xmlns:a16="http://schemas.microsoft.com/office/drawing/2014/main" id="{FBE3B62F-5853-4A3C-B050-6186351A7176}"/>
@@ -8937,7 +10506,7 @@
           <p:cNvPr id="2" name="Title 1">
             <a:extLst>
               <a:ext uri="{FF2B5EF4-FFF2-40B4-BE49-F238E27FC236}">
-                <a16:creationId xmlns:a16="http://schemas.microsoft.com/office/drawing/2014/main" id="{E5FA3D01-D18B-4AA1-8D39-289FDED32413}"/>
+                <a16:creationId xmlns:a16="http://schemas.microsoft.com/office/drawing/2014/main" id="{B7E498EF-9458-4D93-ADF2-257C576B0502}"/>
               </a:ext>
             </a:extLst>
           </p:cNvPr>
@@ -8961,50 +10530,81 @@
           <a:lstStyle/>
           <a:p>
             <a:r>
-              <a:rPr lang="en-US" sz="4400" kern="1200" dirty="0">
+              <a:rPr lang="en-US" b="0" i="0" u="none" strike="noStrike" kern="1200" dirty="0">
                 <a:solidFill>
                   <a:schemeClr val="tx1"/>
                 </a:solidFill>
+                <a:effectLst/>
                 <a:latin typeface="+mj-lt"/>
                 <a:ea typeface="+mj-ea"/>
                 <a:cs typeface="+mj-cs"/>
               </a:rPr>
-              <a:t>Random Forest </a:t>
-            </a:r>
-            <a:br>
-              <a:rPr lang="en-US" sz="4400" kern="1200" dirty="0">
-                <a:solidFill>
-                  <a:schemeClr val="tx1"/>
-                </a:solidFill>
-                <a:latin typeface="+mj-lt"/>
-                <a:ea typeface="+mj-ea"/>
-                <a:cs typeface="+mj-cs"/>
-              </a:rPr>
-            </a:br>
-            <a:r>
-              <a:rPr lang="en-US" sz="4400" kern="1200" dirty="0">
-                <a:solidFill>
-                  <a:schemeClr val="tx1"/>
-                </a:solidFill>
-                <a:latin typeface="+mj-lt"/>
-                <a:ea typeface="+mj-ea"/>
-                <a:cs typeface="+mj-cs"/>
-              </a:rPr>
-              <a:t>K</a:t>
-            </a:r>
-            <a:r>
-              <a:rPr lang="en-US" dirty="0"/>
-              <a:t>-Nearest Neighbors</a:t>
+              <a:t>Pre-Model Fitting</a:t>
+            </a:r>
+            <a:endParaRPr lang="en-US" kern="1200" dirty="0">
+              <a:solidFill>
+                <a:schemeClr val="tx1"/>
+              </a:solidFill>
+              <a:latin typeface="+mj-lt"/>
+              <a:ea typeface="+mj-ea"/>
+              <a:cs typeface="+mj-cs"/>
+            </a:endParaRPr>
+          </a:p>
+        </p:txBody>
+      </p:sp>
+      <p:sp>
+        <p:nvSpPr>
+          <p:cNvPr id="3" name="Content Placeholder 2">
+            <a:extLst>
+              <a:ext uri="{FF2B5EF4-FFF2-40B4-BE49-F238E27FC236}">
+                <a16:creationId xmlns:a16="http://schemas.microsoft.com/office/drawing/2014/main" id="{7F9319D0-D6F4-4813-A515-1C2EED30C79A}"/>
+              </a:ext>
+            </a:extLst>
+          </p:cNvPr>
+          <p:cNvSpPr>
+            <a:spLocks noGrp="1"/>
+          </p:cNvSpPr>
+          <p:nvPr>
+            <p:ph sz="half" idx="1"/>
+          </p:nvPr>
+        </p:nvSpPr>
+        <p:spPr>
+          <a:xfrm>
+            <a:off x="838200" y="2191807"/>
+            <a:ext cx="4936067" cy="3985155"/>
+          </a:xfrm>
+        </p:spPr>
+        <p:txBody>
+          <a:bodyPr vert="horz" lIns="91440" tIns="45720" rIns="91440" bIns="45720" rtlCol="0">
+            <a:normAutofit/>
+          </a:bodyPr>
+          <a:lstStyle/>
+          <a:p>
+            <a:r>
+              <a:rPr lang="en-US" sz="2000" dirty="0"/>
+              <a:t>Our model now consists of ~69000 observation </a:t>
+            </a:r>
+          </a:p>
+          <a:p>
+            <a:r>
+              <a:rPr lang="en-US" sz="2000" dirty="0"/>
+              <a:t>split into 2 arrays one for training and testing : ration 80/20 % respectively </a:t>
+            </a:r>
+          </a:p>
+          <a:p>
+            <a:r>
+              <a:rPr lang="en-US" sz="2000" dirty="0"/>
+              <a:t>Scaled between 0-1 </a:t>
             </a:r>
           </a:p>
         </p:txBody>
       </p:sp>
       <p:pic>
         <p:nvPicPr>
-          <p:cNvPr id="6" name="Content Placeholder 5">
-            <a:extLst>
-              <a:ext uri="{FF2B5EF4-FFF2-40B4-BE49-F238E27FC236}">
-                <a16:creationId xmlns:a16="http://schemas.microsoft.com/office/drawing/2014/main" id="{39EE4480-C08E-46D1-801B-0F34CAA3DC1D}"/>
+          <p:cNvPr id="6" name="Content Placeholder 5" descr="Graphical user interface, application&#10;&#10;Description automatically generated">
+            <a:extLst>
+              <a:ext uri="{FF2B5EF4-FFF2-40B4-BE49-F238E27FC236}">
+                <a16:creationId xmlns:a16="http://schemas.microsoft.com/office/drawing/2014/main" id="{DCB62001-2CE4-482E-963B-C8172A139270}"/>
               </a:ext>
             </a:extLst>
           </p:cNvPr>
@@ -9023,40 +10623,8 @@
         </p:blipFill>
         <p:spPr>
           <a:xfrm>
-            <a:off x="5627124" y="1773816"/>
-            <a:ext cx="6506571" cy="4635931"/>
-          </a:xfrm>
-          <a:prstGeom prst="rect">
-            <a:avLst/>
-          </a:prstGeom>
-        </p:spPr>
-      </p:pic>
-      <p:pic>
-        <p:nvPicPr>
-          <p:cNvPr id="18" name="Content Placeholder 7">
-            <a:extLst>
-              <a:ext uri="{FF2B5EF4-FFF2-40B4-BE49-F238E27FC236}">
-                <a16:creationId xmlns:a16="http://schemas.microsoft.com/office/drawing/2014/main" id="{67B516A3-2EA6-4D84-969E-16F4446F29BB}"/>
-              </a:ext>
-            </a:extLst>
-          </p:cNvPr>
-          <p:cNvPicPr>
-            <a:picLocks noGrp="1" noChangeAspect="1"/>
-          </p:cNvPicPr>
-          <p:nvPr>
-            <p:ph sz="half" idx="1"/>
-          </p:nvPr>
-        </p:nvPicPr>
-        <p:blipFill>
-          <a:blip r:embed="rId3"/>
-          <a:stretch>
-            <a:fillRect/>
-          </a:stretch>
-        </p:blipFill>
-        <p:spPr>
-          <a:xfrm>
-            <a:off x="833002" y="1773816"/>
-            <a:ext cx="4793357" cy="5051461"/>
+            <a:off x="6417734" y="2914933"/>
+            <a:ext cx="4935970" cy="2538904"/>
           </a:xfrm>
           <a:prstGeom prst="rect">
             <a:avLst/>
@@ -9066,7 +10634,7 @@
     </p:spTree>
     <p:extLst>
       <p:ext uri="{BB962C8B-B14F-4D97-AF65-F5344CB8AC3E}">
-        <p14:creationId xmlns:p14="http://schemas.microsoft.com/office/powerpoint/2010/main" val="1880690683"/>
+        <p14:creationId xmlns:p14="http://schemas.microsoft.com/office/powerpoint/2010/main" val="2414056375"/>
       </p:ext>
     </p:extLst>
   </p:cSld>
@@ -9369,4 +10937,47 @@
     </a:ext>
   </a:extLst>
 </a:theme>
+</file>
+
+<file path=ppt/theme/themeOverride1.xml><?xml version="1.0" encoding="utf-8"?>
+<a:themeOverride xmlns:a="http://schemas.openxmlformats.org/drawingml/2006/main">
+  <a:clrScheme name="Office">
+    <a:dk1>
+      <a:sysClr val="windowText" lastClr="000000"/>
+    </a:dk1>
+    <a:lt1>
+      <a:sysClr val="window" lastClr="FFFFFF"/>
+    </a:lt1>
+    <a:dk2>
+      <a:srgbClr val="44546A"/>
+    </a:dk2>
+    <a:lt2>
+      <a:srgbClr val="E7E6E6"/>
+    </a:lt2>
+    <a:accent1>
+      <a:srgbClr val="4472C4"/>
+    </a:accent1>
+    <a:accent2>
+      <a:srgbClr val="ED7D31"/>
+    </a:accent2>
+    <a:accent3>
+      <a:srgbClr val="A5A5A5"/>
+    </a:accent3>
+    <a:accent4>
+      <a:srgbClr val="FFC000"/>
+    </a:accent4>
+    <a:accent5>
+      <a:srgbClr val="5B9BD5"/>
+    </a:accent5>
+    <a:accent6>
+      <a:srgbClr val="70AD47"/>
+    </a:accent6>
+    <a:hlink>
+      <a:srgbClr val="0563C1"/>
+    </a:hlink>
+    <a:folHlink>
+      <a:srgbClr val="954F72"/>
+    </a:folHlink>
+  </a:clrScheme>
+</a:themeOverride>
 </file>